--- a/graphs_pp.pptx
+++ b/graphs_pp.pptx
@@ -4,20 +4,18 @@
   <p:sldMasterIdLst>
     <p:sldMasterId id="2147483648" r:id="rId1"/>
   </p:sldMasterIdLst>
+  <p:notesMasterIdLst>
+    <p:notesMasterId r:id="rId10"/>
+  </p:notesMasterIdLst>
   <p:sldIdLst>
     <p:sldId id="256" r:id="rId2"/>
     <p:sldId id="266" r:id="rId3"/>
     <p:sldId id="267" r:id="rId4"/>
-    <p:sldId id="257" r:id="rId5"/>
-    <p:sldId id="258" r:id="rId6"/>
-    <p:sldId id="264" r:id="rId7"/>
-    <p:sldId id="265" r:id="rId8"/>
-    <p:sldId id="269" r:id="rId9"/>
-    <p:sldId id="263" r:id="rId10"/>
-    <p:sldId id="262" r:id="rId11"/>
-    <p:sldId id="270" r:id="rId12"/>
-    <p:sldId id="261" r:id="rId13"/>
-    <p:sldId id="268" r:id="rId14"/>
+    <p:sldId id="258" r:id="rId5"/>
+    <p:sldId id="265" r:id="rId6"/>
+    <p:sldId id="269" r:id="rId7"/>
+    <p:sldId id="270" r:id="rId8"/>
+    <p:sldId id="271" r:id="rId9"/>
   </p:sldIdLst>
   <p:sldSz cx="12192000" cy="6858000"/>
   <p:notesSz cx="6858000" cy="9144000"/>
@@ -124,6 +122,355 @@
 </p:presentation>
 </file>
 
+<file path=ppt/notesMasters/notesMaster1.xml><?xml version="1.0" encoding="utf-8"?>
+<p:notesMaster xmlns:a="http://schemas.openxmlformats.org/drawingml/2006/main" xmlns:r="http://schemas.openxmlformats.org/officeDocument/2006/relationships" xmlns:p="http://schemas.openxmlformats.org/presentationml/2006/main">
+  <p:cSld>
+    <p:bg>
+      <p:bgRef idx="1001">
+        <a:schemeClr val="bg1"/>
+      </p:bgRef>
+    </p:bg>
+    <p:spTree>
+      <p:nvGrpSpPr>
+        <p:cNvPr id="1" name=""/>
+        <p:cNvGrpSpPr/>
+        <p:nvPr/>
+      </p:nvGrpSpPr>
+      <p:grpSpPr>
+        <a:xfrm>
+          <a:off x="0" y="0"/>
+          <a:ext cx="0" cy="0"/>
+          <a:chOff x="0" y="0"/>
+          <a:chExt cx="0" cy="0"/>
+        </a:xfrm>
+      </p:grpSpPr>
+      <p:sp>
+        <p:nvSpPr>
+          <p:cNvPr id="2" name="Header Placeholder 1"/>
+          <p:cNvSpPr>
+            <a:spLocks noGrp="1"/>
+          </p:cNvSpPr>
+          <p:nvPr>
+            <p:ph type="hdr" sz="quarter"/>
+          </p:nvPr>
+        </p:nvSpPr>
+        <p:spPr>
+          <a:xfrm>
+            <a:off x="0" y="0"/>
+            <a:ext cx="2971800" cy="458788"/>
+          </a:xfrm>
+          <a:prstGeom prst="rect">
+            <a:avLst/>
+          </a:prstGeom>
+        </p:spPr>
+        <p:txBody>
+          <a:bodyPr vert="horz" lIns="91440" tIns="45720" rIns="91440" bIns="45720" rtlCol="0"/>
+          <a:lstStyle>
+            <a:lvl1pPr algn="l">
+              <a:defRPr sz="1200"/>
+            </a:lvl1pPr>
+          </a:lstStyle>
+          <a:p>
+            <a:endParaRPr lang="en-US"/>
+          </a:p>
+        </p:txBody>
+      </p:sp>
+      <p:sp>
+        <p:nvSpPr>
+          <p:cNvPr id="3" name="Date Placeholder 2"/>
+          <p:cNvSpPr>
+            <a:spLocks noGrp="1"/>
+          </p:cNvSpPr>
+          <p:nvPr>
+            <p:ph type="dt" idx="1"/>
+          </p:nvPr>
+        </p:nvSpPr>
+        <p:spPr>
+          <a:xfrm>
+            <a:off x="3884613" y="0"/>
+            <a:ext cx="2971800" cy="458788"/>
+          </a:xfrm>
+          <a:prstGeom prst="rect">
+            <a:avLst/>
+          </a:prstGeom>
+        </p:spPr>
+        <p:txBody>
+          <a:bodyPr vert="horz" lIns="91440" tIns="45720" rIns="91440" bIns="45720" rtlCol="0"/>
+          <a:lstStyle>
+            <a:lvl1pPr algn="r">
+              <a:defRPr sz="1200"/>
+            </a:lvl1pPr>
+          </a:lstStyle>
+          <a:p>
+            <a:fld id="{7021C294-444F-44FC-80C2-B76EEF89952B}" type="datetimeFigureOut">
+              <a:rPr lang="en-US" smtClean="0"/>
+              <a:t>3/21/2017</a:t>
+            </a:fld>
+            <a:endParaRPr lang="en-US"/>
+          </a:p>
+        </p:txBody>
+      </p:sp>
+      <p:sp>
+        <p:nvSpPr>
+          <p:cNvPr id="4" name="Slide Image Placeholder 3"/>
+          <p:cNvSpPr>
+            <a:spLocks noGrp="1" noRot="1" noChangeAspect="1"/>
+          </p:cNvSpPr>
+          <p:nvPr>
+            <p:ph type="sldImg" idx="2"/>
+          </p:nvPr>
+        </p:nvSpPr>
+        <p:spPr>
+          <a:xfrm>
+            <a:off x="685800" y="1143000"/>
+            <a:ext cx="5486400" cy="3086100"/>
+          </a:xfrm>
+          <a:prstGeom prst="rect">
+            <a:avLst/>
+          </a:prstGeom>
+          <a:noFill/>
+          <a:ln w="12700">
+            <a:solidFill>
+              <a:prstClr val="black"/>
+            </a:solidFill>
+          </a:ln>
+        </p:spPr>
+        <p:txBody>
+          <a:bodyPr vert="horz" lIns="91440" tIns="45720" rIns="91440" bIns="45720" rtlCol="0" anchor="ctr"/>
+          <a:lstStyle/>
+          <a:p>
+            <a:endParaRPr lang="en-US"/>
+          </a:p>
+        </p:txBody>
+      </p:sp>
+      <p:sp>
+        <p:nvSpPr>
+          <p:cNvPr id="5" name="Notes Placeholder 4"/>
+          <p:cNvSpPr>
+            <a:spLocks noGrp="1"/>
+          </p:cNvSpPr>
+          <p:nvPr>
+            <p:ph type="body" sz="quarter" idx="3"/>
+          </p:nvPr>
+        </p:nvSpPr>
+        <p:spPr>
+          <a:xfrm>
+            <a:off x="685800" y="4400550"/>
+            <a:ext cx="5486400" cy="3600450"/>
+          </a:xfrm>
+          <a:prstGeom prst="rect">
+            <a:avLst/>
+          </a:prstGeom>
+        </p:spPr>
+        <p:txBody>
+          <a:bodyPr vert="horz" lIns="91440" tIns="45720" rIns="91440" bIns="45720" rtlCol="0"/>
+          <a:lstStyle/>
+          <a:p>
+            <a:pPr lvl="0"/>
+            <a:r>
+              <a:rPr lang="en-US"/>
+              <a:t>Edit Master text styles</a:t>
+            </a:r>
+          </a:p>
+          <a:p>
+            <a:pPr lvl="1"/>
+            <a:r>
+              <a:rPr lang="en-US"/>
+              <a:t>Second level</a:t>
+            </a:r>
+          </a:p>
+          <a:p>
+            <a:pPr lvl="2"/>
+            <a:r>
+              <a:rPr lang="en-US"/>
+              <a:t>Third level</a:t>
+            </a:r>
+          </a:p>
+          <a:p>
+            <a:pPr lvl="3"/>
+            <a:r>
+              <a:rPr lang="en-US"/>
+              <a:t>Fourth level</a:t>
+            </a:r>
+          </a:p>
+          <a:p>
+            <a:pPr lvl="4"/>
+            <a:r>
+              <a:rPr lang="en-US"/>
+              <a:t>Fifth level</a:t>
+            </a:r>
+          </a:p>
+        </p:txBody>
+      </p:sp>
+      <p:sp>
+        <p:nvSpPr>
+          <p:cNvPr id="6" name="Footer Placeholder 5"/>
+          <p:cNvSpPr>
+            <a:spLocks noGrp="1"/>
+          </p:cNvSpPr>
+          <p:nvPr>
+            <p:ph type="ftr" sz="quarter" idx="4"/>
+          </p:nvPr>
+        </p:nvSpPr>
+        <p:spPr>
+          <a:xfrm>
+            <a:off x="0" y="8685213"/>
+            <a:ext cx="2971800" cy="458787"/>
+          </a:xfrm>
+          <a:prstGeom prst="rect">
+            <a:avLst/>
+          </a:prstGeom>
+        </p:spPr>
+        <p:txBody>
+          <a:bodyPr vert="horz" lIns="91440" tIns="45720" rIns="91440" bIns="45720" rtlCol="0" anchor="b"/>
+          <a:lstStyle>
+            <a:lvl1pPr algn="l">
+              <a:defRPr sz="1200"/>
+            </a:lvl1pPr>
+          </a:lstStyle>
+          <a:p>
+            <a:endParaRPr lang="en-US"/>
+          </a:p>
+        </p:txBody>
+      </p:sp>
+      <p:sp>
+        <p:nvSpPr>
+          <p:cNvPr id="7" name="Slide Number Placeholder 6"/>
+          <p:cNvSpPr>
+            <a:spLocks noGrp="1"/>
+          </p:cNvSpPr>
+          <p:nvPr>
+            <p:ph type="sldNum" sz="quarter" idx="5"/>
+          </p:nvPr>
+        </p:nvSpPr>
+        <p:spPr>
+          <a:xfrm>
+            <a:off x="3884613" y="8685213"/>
+            <a:ext cx="2971800" cy="458787"/>
+          </a:xfrm>
+          <a:prstGeom prst="rect">
+            <a:avLst/>
+          </a:prstGeom>
+        </p:spPr>
+        <p:txBody>
+          <a:bodyPr vert="horz" lIns="91440" tIns="45720" rIns="91440" bIns="45720" rtlCol="0" anchor="b"/>
+          <a:lstStyle>
+            <a:lvl1pPr algn="r">
+              <a:defRPr sz="1200"/>
+            </a:lvl1pPr>
+          </a:lstStyle>
+          <a:p>
+            <a:fld id="{FDEA630B-A52F-4A64-8F38-693445E1C534}" type="slidenum">
+              <a:rPr lang="en-US" smtClean="0"/>
+              <a:t>‹#›</a:t>
+            </a:fld>
+            <a:endParaRPr lang="en-US"/>
+          </a:p>
+        </p:txBody>
+      </p:sp>
+    </p:spTree>
+    <p:extLst>
+      <p:ext uri="{BB962C8B-B14F-4D97-AF65-F5344CB8AC3E}">
+        <p14:creationId xmlns:p14="http://schemas.microsoft.com/office/powerpoint/2010/main" val="1579269817"/>
+      </p:ext>
+    </p:extLst>
+  </p:cSld>
+  <p:clrMap bg1="lt1" tx1="dk1" bg2="lt2" tx2="dk2" accent1="accent1" accent2="accent2" accent3="accent3" accent4="accent4" accent5="accent5" accent6="accent6" hlink="hlink" folHlink="folHlink"/>
+  <p:notesStyle>
+    <a:lvl1pPr marL="0" algn="l" defTabSz="914400" rtl="0" eaLnBrk="1" latinLnBrk="0" hangingPunct="1">
+      <a:defRPr sz="1200" kern="1200">
+        <a:solidFill>
+          <a:schemeClr val="tx1"/>
+        </a:solidFill>
+        <a:latin typeface="+mn-lt"/>
+        <a:ea typeface="+mn-ea"/>
+        <a:cs typeface="+mn-cs"/>
+      </a:defRPr>
+    </a:lvl1pPr>
+    <a:lvl2pPr marL="457200" algn="l" defTabSz="914400" rtl="0" eaLnBrk="1" latinLnBrk="0" hangingPunct="1">
+      <a:defRPr sz="1200" kern="1200">
+        <a:solidFill>
+          <a:schemeClr val="tx1"/>
+        </a:solidFill>
+        <a:latin typeface="+mn-lt"/>
+        <a:ea typeface="+mn-ea"/>
+        <a:cs typeface="+mn-cs"/>
+      </a:defRPr>
+    </a:lvl2pPr>
+    <a:lvl3pPr marL="914400" algn="l" defTabSz="914400" rtl="0" eaLnBrk="1" latinLnBrk="0" hangingPunct="1">
+      <a:defRPr sz="1200" kern="1200">
+        <a:solidFill>
+          <a:schemeClr val="tx1"/>
+        </a:solidFill>
+        <a:latin typeface="+mn-lt"/>
+        <a:ea typeface="+mn-ea"/>
+        <a:cs typeface="+mn-cs"/>
+      </a:defRPr>
+    </a:lvl3pPr>
+    <a:lvl4pPr marL="1371600" algn="l" defTabSz="914400" rtl="0" eaLnBrk="1" latinLnBrk="0" hangingPunct="1">
+      <a:defRPr sz="1200" kern="1200">
+        <a:solidFill>
+          <a:schemeClr val="tx1"/>
+        </a:solidFill>
+        <a:latin typeface="+mn-lt"/>
+        <a:ea typeface="+mn-ea"/>
+        <a:cs typeface="+mn-cs"/>
+      </a:defRPr>
+    </a:lvl4pPr>
+    <a:lvl5pPr marL="1828800" algn="l" defTabSz="914400" rtl="0" eaLnBrk="1" latinLnBrk="0" hangingPunct="1">
+      <a:defRPr sz="1200" kern="1200">
+        <a:solidFill>
+          <a:schemeClr val="tx1"/>
+        </a:solidFill>
+        <a:latin typeface="+mn-lt"/>
+        <a:ea typeface="+mn-ea"/>
+        <a:cs typeface="+mn-cs"/>
+      </a:defRPr>
+    </a:lvl5pPr>
+    <a:lvl6pPr marL="2286000" algn="l" defTabSz="914400" rtl="0" eaLnBrk="1" latinLnBrk="0" hangingPunct="1">
+      <a:defRPr sz="1200" kern="1200">
+        <a:solidFill>
+          <a:schemeClr val="tx1"/>
+        </a:solidFill>
+        <a:latin typeface="+mn-lt"/>
+        <a:ea typeface="+mn-ea"/>
+        <a:cs typeface="+mn-cs"/>
+      </a:defRPr>
+    </a:lvl6pPr>
+    <a:lvl7pPr marL="2743200" algn="l" defTabSz="914400" rtl="0" eaLnBrk="1" latinLnBrk="0" hangingPunct="1">
+      <a:defRPr sz="1200" kern="1200">
+        <a:solidFill>
+          <a:schemeClr val="tx1"/>
+        </a:solidFill>
+        <a:latin typeface="+mn-lt"/>
+        <a:ea typeface="+mn-ea"/>
+        <a:cs typeface="+mn-cs"/>
+      </a:defRPr>
+    </a:lvl7pPr>
+    <a:lvl8pPr marL="3200400" algn="l" defTabSz="914400" rtl="0" eaLnBrk="1" latinLnBrk="0" hangingPunct="1">
+      <a:defRPr sz="1200" kern="1200">
+        <a:solidFill>
+          <a:schemeClr val="tx1"/>
+        </a:solidFill>
+        <a:latin typeface="+mn-lt"/>
+        <a:ea typeface="+mn-ea"/>
+        <a:cs typeface="+mn-cs"/>
+      </a:defRPr>
+    </a:lvl8pPr>
+    <a:lvl9pPr marL="3657600" algn="l" defTabSz="914400" rtl="0" eaLnBrk="1" latinLnBrk="0" hangingPunct="1">
+      <a:defRPr sz="1200" kern="1200">
+        <a:solidFill>
+          <a:schemeClr val="tx1"/>
+        </a:solidFill>
+        <a:latin typeface="+mn-lt"/>
+        <a:ea typeface="+mn-ea"/>
+        <a:cs typeface="+mn-cs"/>
+      </a:defRPr>
+    </a:lvl9pPr>
+  </p:notesStyle>
+</p:notesMaster>
+</file>
+
 <file path=ppt/slideLayouts/slideLayout1.xml><?xml version="1.0" encoding="utf-8"?>
 <p:sldLayout xmlns:a="http://schemas.openxmlformats.org/drawingml/2006/main" xmlns:r="http://schemas.openxmlformats.org/officeDocument/2006/relationships" xmlns:p="http://schemas.openxmlformats.org/presentationml/2006/main" type="title" preserve="1">
   <p:cSld name="Title Slide">
@@ -253,7 +600,7 @@
           <a:p>
             <a:fld id="{6E1F4B3E-17F8-43DC-A3EE-8EFC34CAF6CB}" type="datetimeFigureOut">
               <a:rPr lang="en-US" smtClean="0"/>
-              <a:t>3/14/2017</a:t>
+              <a:t>3/20/2017</a:t>
             </a:fld>
             <a:endParaRPr lang="en-US"/>
           </a:p>
@@ -421,7 +768,7 @@
           <a:p>
             <a:fld id="{6E1F4B3E-17F8-43DC-A3EE-8EFC34CAF6CB}" type="datetimeFigureOut">
               <a:rPr lang="en-US" smtClean="0"/>
-              <a:t>3/14/2017</a:t>
+              <a:t>3/20/2017</a:t>
             </a:fld>
             <a:endParaRPr lang="en-US"/>
           </a:p>
@@ -599,7 +946,7 @@
           <a:p>
             <a:fld id="{6E1F4B3E-17F8-43DC-A3EE-8EFC34CAF6CB}" type="datetimeFigureOut">
               <a:rPr lang="en-US" smtClean="0"/>
-              <a:t>3/14/2017</a:t>
+              <a:t>3/20/2017</a:t>
             </a:fld>
             <a:endParaRPr lang="en-US"/>
           </a:p>
@@ -693,7 +1040,7 @@
           <a:lstStyle/>
           <a:p>
             <a:r>
-              <a:rPr lang="en-US"/>
+              <a:rPr lang="en-US" dirty="0"/>
               <a:t>Click to edit Master title style</a:t>
             </a:r>
           </a:p>
@@ -767,7 +1114,7 @@
           <a:p>
             <a:fld id="{6E1F4B3E-17F8-43DC-A3EE-8EFC34CAF6CB}" type="datetimeFigureOut">
               <a:rPr lang="en-US" smtClean="0"/>
-              <a:t>3/14/2017</a:t>
+              <a:t>3/20/2017</a:t>
             </a:fld>
             <a:endParaRPr lang="en-US"/>
           </a:p>
@@ -1012,7 +1359,7 @@
           <a:p>
             <a:fld id="{6E1F4B3E-17F8-43DC-A3EE-8EFC34CAF6CB}" type="datetimeFigureOut">
               <a:rPr lang="en-US" smtClean="0"/>
-              <a:t>3/14/2017</a:t>
+              <a:t>3/20/2017</a:t>
             </a:fld>
             <a:endParaRPr lang="en-US"/>
           </a:p>
@@ -1241,7 +1588,7 @@
           <a:p>
             <a:fld id="{6E1F4B3E-17F8-43DC-A3EE-8EFC34CAF6CB}" type="datetimeFigureOut">
               <a:rPr lang="en-US" smtClean="0"/>
-              <a:t>3/14/2017</a:t>
+              <a:t>3/20/2017</a:t>
             </a:fld>
             <a:endParaRPr lang="en-US"/>
           </a:p>
@@ -1605,7 +1952,7 @@
           <a:p>
             <a:fld id="{6E1F4B3E-17F8-43DC-A3EE-8EFC34CAF6CB}" type="datetimeFigureOut">
               <a:rPr lang="en-US" smtClean="0"/>
-              <a:t>3/14/2017</a:t>
+              <a:t>3/20/2017</a:t>
             </a:fld>
             <a:endParaRPr lang="en-US"/>
           </a:p>
@@ -1722,7 +2069,7 @@
           <a:p>
             <a:fld id="{6E1F4B3E-17F8-43DC-A3EE-8EFC34CAF6CB}" type="datetimeFigureOut">
               <a:rPr lang="en-US" smtClean="0"/>
-              <a:t>3/14/2017</a:t>
+              <a:t>3/20/2017</a:t>
             </a:fld>
             <a:endParaRPr lang="en-US"/>
           </a:p>
@@ -1817,7 +2164,7 @@
           <a:p>
             <a:fld id="{6E1F4B3E-17F8-43DC-A3EE-8EFC34CAF6CB}" type="datetimeFigureOut">
               <a:rPr lang="en-US" smtClean="0"/>
-              <a:t>3/14/2017</a:t>
+              <a:t>3/20/2017</a:t>
             </a:fld>
             <a:endParaRPr lang="en-US"/>
           </a:p>
@@ -2092,7 +2439,7 @@
           <a:p>
             <a:fld id="{6E1F4B3E-17F8-43DC-A3EE-8EFC34CAF6CB}" type="datetimeFigureOut">
               <a:rPr lang="en-US" smtClean="0"/>
-              <a:t>3/14/2017</a:t>
+              <a:t>3/20/2017</a:t>
             </a:fld>
             <a:endParaRPr lang="en-US"/>
           </a:p>
@@ -2344,7 +2691,7 @@
           <a:p>
             <a:fld id="{6E1F4B3E-17F8-43DC-A3EE-8EFC34CAF6CB}" type="datetimeFigureOut">
               <a:rPr lang="en-US" smtClean="0"/>
-              <a:t>3/14/2017</a:t>
+              <a:t>3/20/2017</a:t>
             </a:fld>
             <a:endParaRPr lang="en-US"/>
           </a:p>
@@ -2409,9 +2756,12 @@
 <p:sldMaster xmlns:a="http://schemas.openxmlformats.org/drawingml/2006/main" xmlns:r="http://schemas.openxmlformats.org/officeDocument/2006/relationships" xmlns:p="http://schemas.openxmlformats.org/presentationml/2006/main">
   <p:cSld>
     <p:bg>
-      <p:bgRef idx="1001">
-        <a:schemeClr val="bg1"/>
-      </p:bgRef>
+      <p:bgPr>
+        <a:solidFill>
+          <a:srgbClr val="F9F9F9"/>
+        </a:solidFill>
+        <a:effectLst/>
+      </p:bgPr>
     </p:bg>
     <p:spTree>
       <p:nvGrpSpPr>
@@ -2555,7 +2905,7 @@
           <a:p>
             <a:fld id="{6E1F4B3E-17F8-43DC-A3EE-8EFC34CAF6CB}" type="datetimeFigureOut">
               <a:rPr lang="en-US" smtClean="0"/>
-              <a:t>3/14/2017</a:t>
+              <a:t>3/20/2017</a:t>
             </a:fld>
             <a:endParaRPr lang="en-US"/>
           </a:p>
@@ -2976,9 +3326,10 @@
           <a:lstStyle/>
           <a:p>
             <a:r>
-              <a:rPr lang="en-US" dirty="0"/>
+              <a:rPr lang="en-US" sz="13800" dirty="0"/>
               <a:t>Graphs</a:t>
             </a:r>
+            <a:endParaRPr lang="en-US" dirty="0"/>
           </a:p>
         </p:txBody>
       </p:sp>
@@ -2992,13 +3343,20 @@
             <p:ph type="subTitle" idx="1"/>
           </p:nvPr>
         </p:nvSpPr>
-        <p:spPr/>
-        <p:txBody>
-          <a:bodyPr/>
-          <a:lstStyle/>
-          <a:p>
-            <a:r>
-              <a:rPr lang="en-US" dirty="0"/>
+        <p:spPr>
+          <a:xfrm>
+            <a:off x="1524000" y="3334020"/>
+            <a:ext cx="9144000" cy="1655762"/>
+          </a:xfrm>
+        </p:spPr>
+        <p:txBody>
+          <a:bodyPr>
+            <a:normAutofit/>
+          </a:bodyPr>
+          <a:lstStyle/>
+          <a:p>
+            <a:r>
+              <a:rPr lang="en-US" sz="3200" dirty="0"/>
               <a:t>Ethan Rivers</a:t>
             </a:r>
           </a:p>
@@ -3008,813 +3366,6 @@
     <p:extLst>
       <p:ext uri="{BB962C8B-B14F-4D97-AF65-F5344CB8AC3E}">
         <p14:creationId xmlns:p14="http://schemas.microsoft.com/office/powerpoint/2010/main" val="2118759941"/>
-      </p:ext>
-    </p:extLst>
-  </p:cSld>
-  <p:clrMapOvr>
-    <a:masterClrMapping/>
-  </p:clrMapOvr>
-</p:sld>
-</file>
-
-<file path=ppt/slides/slide10.xml><?xml version="1.0" encoding="utf-8"?>
-<p:sld xmlns:a="http://schemas.openxmlformats.org/drawingml/2006/main" xmlns:r="http://schemas.openxmlformats.org/officeDocument/2006/relationships" xmlns:p="http://schemas.openxmlformats.org/presentationml/2006/main">
-  <p:cSld>
-    <p:spTree>
-      <p:nvGrpSpPr>
-        <p:cNvPr id="1" name=""/>
-        <p:cNvGrpSpPr/>
-        <p:nvPr/>
-      </p:nvGrpSpPr>
-      <p:grpSpPr>
-        <a:xfrm>
-          <a:off x="0" y="0"/>
-          <a:ext cx="0" cy="0"/>
-          <a:chOff x="0" y="0"/>
-          <a:chExt cx="0" cy="0"/>
-        </a:xfrm>
-      </p:grpSpPr>
-      <p:sp>
-        <p:nvSpPr>
-          <p:cNvPr id="2" name="Title 1"/>
-          <p:cNvSpPr>
-            <a:spLocks noGrp="1"/>
-          </p:cNvSpPr>
-          <p:nvPr>
-            <p:ph type="title"/>
-          </p:nvPr>
-        </p:nvSpPr>
-        <p:spPr/>
-        <p:txBody>
-          <a:bodyPr/>
-          <a:lstStyle/>
-          <a:p>
-            <a:r>
-              <a:rPr lang="en-US" dirty="0"/>
-              <a:t>Adjacency List</a:t>
-            </a:r>
-          </a:p>
-        </p:txBody>
-      </p:sp>
-      <p:sp>
-        <p:nvSpPr>
-          <p:cNvPr id="3" name="Content Placeholder 2"/>
-          <p:cNvSpPr>
-            <a:spLocks noGrp="1"/>
-          </p:cNvSpPr>
-          <p:nvPr>
-            <p:ph idx="1"/>
-          </p:nvPr>
-        </p:nvSpPr>
-        <p:spPr/>
-        <p:txBody>
-          <a:bodyPr/>
-          <a:lstStyle/>
-          <a:p>
-            <a:r>
-              <a:rPr lang="en-US" dirty="0"/>
-              <a:t>The greater the difference of (V^2 – E) becomes, the more appropriate a list representation becomes</a:t>
-            </a:r>
-          </a:p>
-          <a:p>
-            <a:r>
-              <a:rPr lang="en-US" dirty="0"/>
-              <a:t>A node structure with a name and a linked list of pointers to node structures</a:t>
-            </a:r>
-          </a:p>
-          <a:p>
-            <a:r>
-              <a:rPr lang="en-US" dirty="0"/>
-              <a:t>The graph class itself contains only an array of node pointers (nodes in the graph) and an integer indicating size</a:t>
-            </a:r>
-          </a:p>
-          <a:p>
-            <a:r>
-              <a:rPr lang="en-US" dirty="0"/>
-              <a:t>Can skip the size integer indicator and just use </a:t>
-            </a:r>
-            <a:r>
-              <a:rPr lang="en-US" dirty="0" err="1"/>
-              <a:t>std</a:t>
-            </a:r>
-            <a:r>
-              <a:rPr lang="en-US" dirty="0"/>
-              <a:t>::vector instead of an array</a:t>
-            </a:r>
-          </a:p>
-        </p:txBody>
-      </p:sp>
-    </p:spTree>
-    <p:extLst>
-      <p:ext uri="{BB962C8B-B14F-4D97-AF65-F5344CB8AC3E}">
-        <p14:creationId xmlns:p14="http://schemas.microsoft.com/office/powerpoint/2010/main" val="1267667376"/>
-      </p:ext>
-    </p:extLst>
-  </p:cSld>
-  <p:clrMapOvr>
-    <a:masterClrMapping/>
-  </p:clrMapOvr>
-</p:sld>
-</file>
-
-<file path=ppt/slides/slide11.xml><?xml version="1.0" encoding="utf-8"?>
-<p:sld xmlns:a="http://schemas.openxmlformats.org/drawingml/2006/main" xmlns:r="http://schemas.openxmlformats.org/officeDocument/2006/relationships" xmlns:p="http://schemas.openxmlformats.org/presentationml/2006/main">
-  <p:cSld>
-    <p:spTree>
-      <p:nvGrpSpPr>
-        <p:cNvPr id="1" name=""/>
-        <p:cNvGrpSpPr/>
-        <p:nvPr/>
-      </p:nvGrpSpPr>
-      <p:grpSpPr>
-        <a:xfrm>
-          <a:off x="0" y="0"/>
-          <a:ext cx="0" cy="0"/>
-          <a:chOff x="0" y="0"/>
-          <a:chExt cx="0" cy="0"/>
-        </a:xfrm>
-      </p:grpSpPr>
-      <p:sp>
-        <p:nvSpPr>
-          <p:cNvPr id="2" name="Title 1"/>
-          <p:cNvSpPr>
-            <a:spLocks noGrp="1"/>
-          </p:cNvSpPr>
-          <p:nvPr>
-            <p:ph type="title"/>
-          </p:nvPr>
-        </p:nvSpPr>
-        <p:spPr/>
-        <p:txBody>
-          <a:bodyPr/>
-          <a:lstStyle/>
-          <a:p>
-            <a:r>
-              <a:rPr lang="en-US" dirty="0"/>
-              <a:t>Adjacency List</a:t>
-            </a:r>
-          </a:p>
-        </p:txBody>
-      </p:sp>
-      <p:sp>
-        <p:nvSpPr>
-          <p:cNvPr id="3" name="Content Placeholder 2"/>
-          <p:cNvSpPr>
-            <a:spLocks noGrp="1"/>
-          </p:cNvSpPr>
-          <p:nvPr>
-            <p:ph idx="1"/>
-          </p:nvPr>
-        </p:nvSpPr>
-        <p:spPr/>
-        <p:txBody>
-          <a:bodyPr/>
-          <a:lstStyle/>
-          <a:p>
-            <a:endParaRPr lang="en-US" dirty="0"/>
-          </a:p>
-        </p:txBody>
-      </p:sp>
-    </p:spTree>
-    <p:extLst>
-      <p:ext uri="{BB962C8B-B14F-4D97-AF65-F5344CB8AC3E}">
-        <p14:creationId xmlns:p14="http://schemas.microsoft.com/office/powerpoint/2010/main" val="901300957"/>
-      </p:ext>
-    </p:extLst>
-  </p:cSld>
-  <p:clrMapOvr>
-    <a:masterClrMapping/>
-  </p:clrMapOvr>
-</p:sld>
-</file>
-
-<file path=ppt/slides/slide12.xml><?xml version="1.0" encoding="utf-8"?>
-<p:sld xmlns:a="http://schemas.openxmlformats.org/drawingml/2006/main" xmlns:r="http://schemas.openxmlformats.org/officeDocument/2006/relationships" xmlns:p="http://schemas.openxmlformats.org/presentationml/2006/main">
-  <p:cSld>
-    <p:spTree>
-      <p:nvGrpSpPr>
-        <p:cNvPr id="1" name=""/>
-        <p:cNvGrpSpPr/>
-        <p:nvPr/>
-      </p:nvGrpSpPr>
-      <p:grpSpPr>
-        <a:xfrm>
-          <a:off x="0" y="0"/>
-          <a:ext cx="0" cy="0"/>
-          <a:chOff x="0" y="0"/>
-          <a:chExt cx="0" cy="0"/>
-        </a:xfrm>
-      </p:grpSpPr>
-      <p:sp>
-        <p:nvSpPr>
-          <p:cNvPr id="2" name="Title 1"/>
-          <p:cNvSpPr>
-            <a:spLocks noGrp="1"/>
-          </p:cNvSpPr>
-          <p:nvPr>
-            <p:ph type="title"/>
-          </p:nvPr>
-        </p:nvSpPr>
-        <p:spPr/>
-        <p:txBody>
-          <a:bodyPr/>
-          <a:lstStyle/>
-          <a:p>
-            <a:r>
-              <a:rPr lang="en-US" dirty="0"/>
-              <a:t>Adjacency Matrix</a:t>
-            </a:r>
-          </a:p>
-        </p:txBody>
-      </p:sp>
-      <p:sp>
-        <p:nvSpPr>
-          <p:cNvPr id="3" name="Content Placeholder 2"/>
-          <p:cNvSpPr>
-            <a:spLocks noGrp="1"/>
-          </p:cNvSpPr>
-          <p:nvPr>
-            <p:ph idx="1"/>
-          </p:nvPr>
-        </p:nvSpPr>
-        <p:spPr/>
-        <p:txBody>
-          <a:bodyPr/>
-          <a:lstStyle/>
-          <a:p>
-            <a:r>
-              <a:rPr lang="en-US" dirty="0"/>
-              <a:t>The closer the quantity of edges is to V^2, the more appropriate a matrix implementation becomes</a:t>
-            </a:r>
-          </a:p>
-        </p:txBody>
-      </p:sp>
-    </p:spTree>
-    <p:extLst>
-      <p:ext uri="{BB962C8B-B14F-4D97-AF65-F5344CB8AC3E}">
-        <p14:creationId xmlns:p14="http://schemas.microsoft.com/office/powerpoint/2010/main" val="929360439"/>
-      </p:ext>
-    </p:extLst>
-  </p:cSld>
-  <p:clrMapOvr>
-    <a:masterClrMapping/>
-  </p:clrMapOvr>
-</p:sld>
-</file>
-
-<file path=ppt/slides/slide13.xml><?xml version="1.0" encoding="utf-8"?>
-<p:sld xmlns:a="http://schemas.openxmlformats.org/drawingml/2006/main" xmlns:r="http://schemas.openxmlformats.org/officeDocument/2006/relationships" xmlns:p="http://schemas.openxmlformats.org/presentationml/2006/main">
-  <p:cSld>
-    <p:spTree>
-      <p:nvGrpSpPr>
-        <p:cNvPr id="1" name=""/>
-        <p:cNvGrpSpPr/>
-        <p:nvPr/>
-      </p:nvGrpSpPr>
-      <p:grpSpPr>
-        <a:xfrm>
-          <a:off x="0" y="0"/>
-          <a:ext cx="0" cy="0"/>
-          <a:chOff x="0" y="0"/>
-          <a:chExt cx="0" cy="0"/>
-        </a:xfrm>
-      </p:grpSpPr>
-      <p:sp>
-        <p:nvSpPr>
-          <p:cNvPr id="8" name="Title 7"/>
-          <p:cNvSpPr>
-            <a:spLocks noGrp="1"/>
-          </p:cNvSpPr>
-          <p:nvPr>
-            <p:ph type="title"/>
-          </p:nvPr>
-        </p:nvSpPr>
-        <p:spPr/>
-        <p:txBody>
-          <a:bodyPr/>
-          <a:lstStyle/>
-          <a:p>
-            <a:r>
-              <a:rPr lang="en-US" dirty="0"/>
-              <a:t>Simple Matrix Example</a:t>
-            </a:r>
-          </a:p>
-        </p:txBody>
-      </p:sp>
-      <p:sp>
-        <p:nvSpPr>
-          <p:cNvPr id="9" name="Content Placeholder 8"/>
-          <p:cNvSpPr>
-            <a:spLocks noGrp="1"/>
-          </p:cNvSpPr>
-          <p:nvPr>
-            <p:ph sz="half" idx="1"/>
-          </p:nvPr>
-        </p:nvSpPr>
-        <p:spPr>
-          <a:xfrm>
-            <a:off x="336549" y="1589474"/>
-            <a:ext cx="4754215" cy="4351338"/>
-          </a:xfrm>
-        </p:spPr>
-        <p:txBody>
-          <a:bodyPr/>
-          <a:lstStyle/>
-          <a:p>
-            <a:r>
-              <a:rPr lang="en-US" dirty="0"/>
-              <a:t>Directed acyclic graph of size three(3)</a:t>
-            </a:r>
-          </a:p>
-          <a:p>
-            <a:r>
-              <a:rPr lang="en-US" dirty="0"/>
-              <a:t>I tried to keep this simple and not add cost into the equation here</a:t>
-            </a:r>
-          </a:p>
-        </p:txBody>
-      </p:sp>
-      <p:graphicFrame>
-        <p:nvGraphicFramePr>
-          <p:cNvPr id="11" name="Object 10"/>
-          <p:cNvGraphicFramePr>
-            <a:graphicFrameLocks noChangeAspect="1"/>
-          </p:cNvGraphicFramePr>
-          <p:nvPr>
-            <p:extLst>
-              <p:ext uri="{D42A27DB-BD31-4B8C-83A1-F6EECF244321}">
-                <p14:modId xmlns:p14="http://schemas.microsoft.com/office/powerpoint/2010/main" val="4024589513"/>
-              </p:ext>
-            </p:extLst>
-          </p:nvPr>
-        </p:nvGraphicFramePr>
-        <p:xfrm>
-          <a:off x="5845175" y="1825625"/>
-          <a:ext cx="5508625" cy="1741488"/>
-        </p:xfrm>
-        <a:graphic>
-          <a:graphicData uri="http://schemas.openxmlformats.org/presentationml/2006/ole">
-            <mc:AlternateContent xmlns:mc="http://schemas.openxmlformats.org/markup-compatibility/2006">
-              <mc:Choice xmlns:v="urn:schemas-microsoft-com:vml" Requires="v">
-                <p:oleObj spid="_x0000_s1049" name="Worksheet" r:id="rId3" imgW="1838425" imgH="581125" progId="Excel.Sheet.12">
-                  <p:embed/>
-                </p:oleObj>
-              </mc:Choice>
-              <mc:Fallback>
-                <p:oleObj name="Worksheet" r:id="rId3" imgW="1838425" imgH="581125" progId="Excel.Sheet.12">
-                  <p:embed/>
-                  <p:pic>
-                    <p:nvPicPr>
-                      <p:cNvPr id="5" name="Object 4"/>
-                      <p:cNvPicPr/>
-                      <p:nvPr/>
-                    </p:nvPicPr>
-                    <p:blipFill>
-                      <a:blip r:embed="rId4"/>
-                      <a:stretch>
-                        <a:fillRect/>
-                      </a:stretch>
-                    </p:blipFill>
-                    <p:spPr>
-                      <a:xfrm>
-                        <a:off x="5845175" y="1825625"/>
-                        <a:ext cx="5508625" cy="1741488"/>
-                      </a:xfrm>
-                      <a:prstGeom prst="rect">
-                        <a:avLst/>
-                      </a:prstGeom>
-                    </p:spPr>
-                  </p:pic>
-                </p:oleObj>
-              </mc:Fallback>
-            </mc:AlternateContent>
-          </a:graphicData>
-        </a:graphic>
-      </p:graphicFrame>
-      <p:sp>
-        <p:nvSpPr>
-          <p:cNvPr id="12" name="TextBox 11"/>
-          <p:cNvSpPr txBox="1"/>
-          <p:nvPr/>
-        </p:nvSpPr>
-        <p:spPr>
-          <a:xfrm>
-            <a:off x="5271217" y="1825625"/>
-            <a:ext cx="1147915" cy="1754326"/>
-          </a:xfrm>
-          <a:prstGeom prst="rect">
-            <a:avLst/>
-          </a:prstGeom>
-          <a:noFill/>
-        </p:spPr>
-        <p:txBody>
-          <a:bodyPr wrap="square" rtlCol="0">
-            <a:spAutoFit/>
-          </a:bodyPr>
-          <a:lstStyle/>
-          <a:p>
-            <a:r>
-              <a:rPr lang="en-US" sz="3600" dirty="0"/>
-              <a:t>A</a:t>
-            </a:r>
-          </a:p>
-          <a:p>
-            <a:r>
-              <a:rPr lang="en-US" sz="3600" dirty="0"/>
-              <a:t>B</a:t>
-            </a:r>
-          </a:p>
-          <a:p>
-            <a:r>
-              <a:rPr lang="en-US" sz="3600" dirty="0"/>
-              <a:t>C</a:t>
-            </a:r>
-          </a:p>
-        </p:txBody>
-      </p:sp>
-      <p:sp>
-        <p:nvSpPr>
-          <p:cNvPr id="13" name="TextBox 12"/>
-          <p:cNvSpPr txBox="1"/>
-          <p:nvPr/>
-        </p:nvSpPr>
-        <p:spPr>
-          <a:xfrm>
-            <a:off x="5619707" y="1050776"/>
-            <a:ext cx="5508625" cy="646331"/>
-          </a:xfrm>
-          <a:prstGeom prst="rect">
-            <a:avLst/>
-          </a:prstGeom>
-          <a:noFill/>
-        </p:spPr>
-        <p:txBody>
-          <a:bodyPr wrap="square" rtlCol="0">
-            <a:spAutoFit/>
-          </a:bodyPr>
-          <a:lstStyle/>
-          <a:p>
-            <a:r>
-              <a:rPr lang="en-US" sz="3600" dirty="0"/>
-              <a:t>	A		B		C</a:t>
-            </a:r>
-          </a:p>
-        </p:txBody>
-      </p:sp>
-      <p:sp>
-        <p:nvSpPr>
-          <p:cNvPr id="14" name="TextBox 13"/>
-          <p:cNvSpPr txBox="1"/>
-          <p:nvPr/>
-        </p:nvSpPr>
-        <p:spPr>
-          <a:xfrm>
-            <a:off x="5970587" y="3579951"/>
-            <a:ext cx="5257800" cy="646331"/>
-          </a:xfrm>
-          <a:prstGeom prst="rect">
-            <a:avLst/>
-          </a:prstGeom>
-          <a:noFill/>
-        </p:spPr>
-        <p:txBody>
-          <a:bodyPr wrap="square" rtlCol="0">
-            <a:spAutoFit/>
-          </a:bodyPr>
-          <a:lstStyle/>
-          <a:p>
-            <a:pPr algn="ctr"/>
-            <a:r>
-              <a:rPr lang="en-US" i="1" dirty="0"/>
-              <a:t>Notice how A cannot directly interact with A; B cannot directly interact with B; etc.</a:t>
-            </a:r>
-          </a:p>
-        </p:txBody>
-      </p:sp>
-      <p:sp>
-        <p:nvSpPr>
-          <p:cNvPr id="16" name="Oval 15"/>
-          <p:cNvSpPr/>
-          <p:nvPr/>
-        </p:nvSpPr>
-        <p:spPr>
-          <a:xfrm>
-            <a:off x="390997" y="4600527"/>
-            <a:ext cx="1340285" cy="1340285"/>
-          </a:xfrm>
-          <a:prstGeom prst="ellipse">
-            <a:avLst/>
-          </a:prstGeom>
-          <a:ln w="25400">
-            <a:solidFill>
-              <a:schemeClr val="accent2"/>
-            </a:solidFill>
-          </a:ln>
-        </p:spPr>
-        <p:style>
-          <a:lnRef idx="2">
-            <a:schemeClr val="accent6"/>
-          </a:lnRef>
-          <a:fillRef idx="1">
-            <a:schemeClr val="lt1"/>
-          </a:fillRef>
-          <a:effectRef idx="0">
-            <a:schemeClr val="accent6"/>
-          </a:effectRef>
-          <a:fontRef idx="minor">
-            <a:schemeClr val="dk1"/>
-          </a:fontRef>
-        </p:style>
-        <p:txBody>
-          <a:bodyPr rtlCol="0" anchor="ctr"/>
-          <a:lstStyle/>
-          <a:p>
-            <a:pPr algn="ctr"/>
-            <a:r>
-              <a:rPr lang="en-US" sz="3600" dirty="0">
-                <a:solidFill>
-                  <a:schemeClr val="tx1"/>
-                </a:solidFill>
-              </a:rPr>
-              <a:t>A</a:t>
-            </a:r>
-            <a:endParaRPr lang="en-US" dirty="0">
-              <a:solidFill>
-                <a:schemeClr val="tx1"/>
-              </a:solidFill>
-            </a:endParaRPr>
-          </a:p>
-        </p:txBody>
-      </p:sp>
-      <p:sp>
-        <p:nvSpPr>
-          <p:cNvPr id="17" name="Oval 16"/>
-          <p:cNvSpPr/>
-          <p:nvPr/>
-        </p:nvSpPr>
-        <p:spPr>
-          <a:xfrm>
-            <a:off x="2734253" y="4600527"/>
-            <a:ext cx="1340285" cy="1340285"/>
-          </a:xfrm>
-          <a:prstGeom prst="ellipse">
-            <a:avLst/>
-          </a:prstGeom>
-          <a:ln w="25400">
-            <a:solidFill>
-              <a:schemeClr val="accent6"/>
-            </a:solidFill>
-          </a:ln>
-        </p:spPr>
-        <p:style>
-          <a:lnRef idx="2">
-            <a:schemeClr val="accent6"/>
-          </a:lnRef>
-          <a:fillRef idx="1">
-            <a:schemeClr val="lt1"/>
-          </a:fillRef>
-          <a:effectRef idx="0">
-            <a:schemeClr val="accent6"/>
-          </a:effectRef>
-          <a:fontRef idx="minor">
-            <a:schemeClr val="dk1"/>
-          </a:fontRef>
-        </p:style>
-        <p:txBody>
-          <a:bodyPr rtlCol="0" anchor="ctr"/>
-          <a:lstStyle/>
-          <a:p>
-            <a:pPr algn="ctr"/>
-            <a:r>
-              <a:rPr lang="en-US" sz="3600" dirty="0">
-                <a:solidFill>
-                  <a:schemeClr val="tx1"/>
-                </a:solidFill>
-              </a:rPr>
-              <a:t>B</a:t>
-            </a:r>
-          </a:p>
-        </p:txBody>
-      </p:sp>
-      <p:sp>
-        <p:nvSpPr>
-          <p:cNvPr id="18" name="Oval 17"/>
-          <p:cNvSpPr/>
-          <p:nvPr/>
-        </p:nvSpPr>
-        <p:spPr>
-          <a:xfrm>
-            <a:off x="5078847" y="4600527"/>
-            <a:ext cx="1340285" cy="1340285"/>
-          </a:xfrm>
-          <a:prstGeom prst="ellipse">
-            <a:avLst/>
-          </a:prstGeom>
-          <a:ln w="25400">
-            <a:solidFill>
-              <a:schemeClr val="accent1"/>
-            </a:solidFill>
-          </a:ln>
-        </p:spPr>
-        <p:style>
-          <a:lnRef idx="2">
-            <a:schemeClr val="accent6"/>
-          </a:lnRef>
-          <a:fillRef idx="1">
-            <a:schemeClr val="lt1"/>
-          </a:fillRef>
-          <a:effectRef idx="0">
-            <a:schemeClr val="accent6"/>
-          </a:effectRef>
-          <a:fontRef idx="minor">
-            <a:schemeClr val="dk1"/>
-          </a:fontRef>
-        </p:style>
-        <p:txBody>
-          <a:bodyPr rtlCol="0" anchor="ctr"/>
-          <a:lstStyle/>
-          <a:p>
-            <a:pPr algn="ctr"/>
-            <a:r>
-              <a:rPr lang="en-US" sz="3600" dirty="0">
-                <a:solidFill>
-                  <a:schemeClr val="tx1"/>
-                </a:solidFill>
-              </a:rPr>
-              <a:t>C</a:t>
-            </a:r>
-            <a:endParaRPr lang="en-US" dirty="0">
-              <a:solidFill>
-                <a:schemeClr val="tx1"/>
-              </a:solidFill>
-            </a:endParaRPr>
-          </a:p>
-        </p:txBody>
-      </p:sp>
-      <p:cxnSp>
-        <p:nvCxnSpPr>
-          <p:cNvPr id="20" name="Connector: Curved 19"/>
-          <p:cNvCxnSpPr>
-            <a:stCxn id="16" idx="0"/>
-            <a:endCxn id="18" idx="0"/>
-          </p:cNvCxnSpPr>
-          <p:nvPr/>
-        </p:nvCxnSpPr>
-        <p:spPr>
-          <a:xfrm rot="5400000" flipH="1" flipV="1">
-            <a:off x="3405065" y="2256602"/>
-            <a:ext cx="12700" cy="4687850"/>
-          </a:xfrm>
-          <a:prstGeom prst="curvedConnector3">
-            <a:avLst>
-              <a:gd name="adj1" fmla="val 4857528"/>
-            </a:avLst>
-          </a:prstGeom>
-          <a:ln w="25400">
-            <a:solidFill>
-              <a:schemeClr val="accent2"/>
-            </a:solidFill>
-            <a:tailEnd type="triangle" w="lg" len="lg"/>
-          </a:ln>
-        </p:spPr>
-        <p:style>
-          <a:lnRef idx="1">
-            <a:schemeClr val="dk1"/>
-          </a:lnRef>
-          <a:fillRef idx="0">
-            <a:schemeClr val="dk1"/>
-          </a:fillRef>
-          <a:effectRef idx="0">
-            <a:schemeClr val="dk1"/>
-          </a:effectRef>
-          <a:fontRef idx="minor">
-            <a:schemeClr val="tx1"/>
-          </a:fontRef>
-        </p:style>
-      </p:cxnSp>
-      <p:cxnSp>
-        <p:nvCxnSpPr>
-          <p:cNvPr id="27" name="Straight Arrow Connector 26"/>
-          <p:cNvCxnSpPr>
-            <a:stCxn id="17" idx="2"/>
-            <a:endCxn id="16" idx="6"/>
-          </p:cNvCxnSpPr>
-          <p:nvPr/>
-        </p:nvCxnSpPr>
-        <p:spPr>
-          <a:xfrm flipH="1">
-            <a:off x="1731282" y="5270670"/>
-            <a:ext cx="1002971" cy="0"/>
-          </a:xfrm>
-          <a:prstGeom prst="straightConnector1">
-            <a:avLst/>
-          </a:prstGeom>
-          <a:ln w="25400">
-            <a:solidFill>
-              <a:schemeClr val="accent6"/>
-            </a:solidFill>
-            <a:tailEnd type="triangle" w="lg" len="lg"/>
-          </a:ln>
-        </p:spPr>
-        <p:style>
-          <a:lnRef idx="1">
-            <a:schemeClr val="accent1"/>
-          </a:lnRef>
-          <a:fillRef idx="0">
-            <a:schemeClr val="accent1"/>
-          </a:fillRef>
-          <a:effectRef idx="0">
-            <a:schemeClr val="accent1"/>
-          </a:effectRef>
-          <a:fontRef idx="minor">
-            <a:schemeClr val="tx1"/>
-          </a:fontRef>
-        </p:style>
-      </p:cxnSp>
-      <p:cxnSp>
-        <p:nvCxnSpPr>
-          <p:cNvPr id="35" name="Straight Arrow Connector 34"/>
-          <p:cNvCxnSpPr>
-            <a:stCxn id="17" idx="6"/>
-            <a:endCxn id="18" idx="2"/>
-          </p:cNvCxnSpPr>
-          <p:nvPr/>
-        </p:nvCxnSpPr>
-        <p:spPr>
-          <a:xfrm>
-            <a:off x="4074538" y="5270670"/>
-            <a:ext cx="1004309" cy="0"/>
-          </a:xfrm>
-          <a:prstGeom prst="straightConnector1">
-            <a:avLst/>
-          </a:prstGeom>
-          <a:ln w="25400" cap="flat">
-            <a:solidFill>
-              <a:schemeClr val="accent6"/>
-            </a:solidFill>
-            <a:tailEnd type="triangle" w="lg" len="lg"/>
-          </a:ln>
-        </p:spPr>
-        <p:style>
-          <a:lnRef idx="1">
-            <a:schemeClr val="accent1"/>
-          </a:lnRef>
-          <a:fillRef idx="0">
-            <a:schemeClr val="accent1"/>
-          </a:fillRef>
-          <a:effectRef idx="0">
-            <a:schemeClr val="accent1"/>
-          </a:effectRef>
-          <a:fontRef idx="minor">
-            <a:schemeClr val="tx1"/>
-          </a:fontRef>
-        </p:style>
-      </p:cxnSp>
-      <p:cxnSp>
-        <p:nvCxnSpPr>
-          <p:cNvPr id="36" name="Connector: Curved 35"/>
-          <p:cNvCxnSpPr>
-            <a:cxnSpLocks/>
-          </p:cNvCxnSpPr>
-          <p:nvPr/>
-        </p:nvCxnSpPr>
-        <p:spPr>
-          <a:xfrm rot="16200000" flipH="1" flipV="1">
-            <a:off x="3398045" y="3609587"/>
-            <a:ext cx="12700" cy="4687850"/>
-          </a:xfrm>
-          <a:prstGeom prst="curvedConnector3">
-            <a:avLst>
-              <a:gd name="adj1" fmla="val 4857528"/>
-            </a:avLst>
-          </a:prstGeom>
-          <a:ln w="25400">
-            <a:solidFill>
-              <a:schemeClr val="accent1"/>
-            </a:solidFill>
-            <a:headEnd type="none"/>
-            <a:tailEnd type="triangle" w="lg" len="lg"/>
-          </a:ln>
-        </p:spPr>
-        <p:style>
-          <a:lnRef idx="1">
-            <a:schemeClr val="dk1"/>
-          </a:lnRef>
-          <a:fillRef idx="0">
-            <a:schemeClr val="dk1"/>
-          </a:fillRef>
-          <a:effectRef idx="0">
-            <a:schemeClr val="dk1"/>
-          </a:effectRef>
-          <a:fontRef idx="minor">
-            <a:schemeClr val="tx1"/>
-          </a:fontRef>
-        </p:style>
-      </p:cxnSp>
-    </p:spTree>
-    <p:extLst>
-      <p:ext uri="{BB962C8B-B14F-4D97-AF65-F5344CB8AC3E}">
-        <p14:creationId xmlns:p14="http://schemas.microsoft.com/office/powerpoint/2010/main" val="3517010963"/>
       </p:ext>
     </p:extLst>
   </p:cSld>
@@ -3843,28 +3394,6 @@
       </p:grpSpPr>
       <p:sp>
         <p:nvSpPr>
-          <p:cNvPr id="2" name="Title 1"/>
-          <p:cNvSpPr>
-            <a:spLocks noGrp="1"/>
-          </p:cNvSpPr>
-          <p:nvPr>
-            <p:ph type="title"/>
-          </p:nvPr>
-        </p:nvSpPr>
-        <p:spPr/>
-        <p:txBody>
-          <a:bodyPr/>
-          <a:lstStyle/>
-          <a:p>
-            <a:r>
-              <a:rPr lang="en-US" dirty="0"/>
-              <a:t>Graphs</a:t>
-            </a:r>
-          </a:p>
-        </p:txBody>
-      </p:sp>
-      <p:sp>
-        <p:nvSpPr>
           <p:cNvPr id="3" name="Content Placeholder 2"/>
           <p:cNvSpPr>
             <a:spLocks noGrp="1"/>
@@ -3873,7 +3402,12 @@
             <p:ph idx="1"/>
           </p:nvPr>
         </p:nvSpPr>
-        <p:spPr/>
+        <p:spPr>
+          <a:xfrm>
+            <a:off x="457200" y="1599883"/>
+            <a:ext cx="10515600" cy="4351338"/>
+          </a:xfrm>
+        </p:spPr>
         <p:txBody>
           <a:bodyPr/>
           <a:lstStyle/>
@@ -3919,6 +3453,35 @@
             <a:r>
               <a:rPr lang="en-US" b="1" dirty="0"/>
               <a:t>“path.”</a:t>
+            </a:r>
+          </a:p>
+        </p:txBody>
+      </p:sp>
+      <p:sp>
+        <p:nvSpPr>
+          <p:cNvPr id="7" name="Title 1"/>
+          <p:cNvSpPr>
+            <a:spLocks noGrp="1"/>
+          </p:cNvSpPr>
+          <p:nvPr>
+            <p:ph type="title"/>
+          </p:nvPr>
+        </p:nvSpPr>
+        <p:spPr>
+          <a:xfrm>
+            <a:off x="457200" y="274320"/>
+            <a:ext cx="10515600" cy="1325563"/>
+          </a:xfrm>
+        </p:spPr>
+        <p:txBody>
+          <a:bodyPr>
+            <a:normAutofit/>
+          </a:bodyPr>
+          <a:lstStyle/>
+          <a:p>
+            <a:r>
+              <a:rPr lang="en-US" sz="5400" dirty="0"/>
+              <a:t>Graphs</a:t>
             </a:r>
           </a:p>
         </p:txBody>
@@ -3955,28 +3518,6 @@
       </p:grpSpPr>
       <p:sp>
         <p:nvSpPr>
-          <p:cNvPr id="2" name="Title 1"/>
-          <p:cNvSpPr>
-            <a:spLocks noGrp="1"/>
-          </p:cNvSpPr>
-          <p:nvPr>
-            <p:ph type="title"/>
-          </p:nvPr>
-        </p:nvSpPr>
-        <p:spPr/>
-        <p:txBody>
-          <a:bodyPr/>
-          <a:lstStyle/>
-          <a:p>
-            <a:r>
-              <a:rPr lang="en-US" dirty="0"/>
-              <a:t>Edges - Cost</a:t>
-            </a:r>
-          </a:p>
-        </p:txBody>
-      </p:sp>
-      <p:sp>
-        <p:nvSpPr>
           <p:cNvPr id="3" name="Content Placeholder 2"/>
           <p:cNvSpPr>
             <a:spLocks noGrp="1"/>
@@ -3985,7 +3526,12 @@
             <p:ph idx="1"/>
           </p:nvPr>
         </p:nvSpPr>
-        <p:spPr/>
+        <p:spPr>
+          <a:xfrm>
+            <a:off x="457200" y="1599883"/>
+            <a:ext cx="10515600" cy="4351338"/>
+          </a:xfrm>
+        </p:spPr>
         <p:txBody>
           <a:bodyPr/>
           <a:lstStyle/>
@@ -4006,7 +3552,36 @@
           <a:p>
             <a:r>
               <a:rPr lang="en-US" dirty="0"/>
-              <a:t>Could be the distance between two cities, or the cost of a plane ticket between airports (*cough*) for instance.</a:t>
+              <a:t>This could be the distance between two cities, or the cost of a plane ticket between airports (*cough*) for instance.</a:t>
+            </a:r>
+          </a:p>
+        </p:txBody>
+      </p:sp>
+      <p:sp>
+        <p:nvSpPr>
+          <p:cNvPr id="6" name="Title 1"/>
+          <p:cNvSpPr>
+            <a:spLocks noGrp="1"/>
+          </p:cNvSpPr>
+          <p:nvPr>
+            <p:ph type="title"/>
+          </p:nvPr>
+        </p:nvSpPr>
+        <p:spPr>
+          <a:xfrm>
+            <a:off x="457200" y="274320"/>
+            <a:ext cx="10515600" cy="1325563"/>
+          </a:xfrm>
+        </p:spPr>
+        <p:txBody>
+          <a:bodyPr>
+            <a:normAutofit/>
+          </a:bodyPr>
+          <a:lstStyle/>
+          <a:p>
+            <a:r>
+              <a:rPr lang="en-US" sz="5400" dirty="0"/>
+              <a:t>Edges</a:t>
             </a:r>
           </a:p>
         </p:txBody>
@@ -4043,7 +3618,228 @@
       </p:grpSpPr>
       <p:sp>
         <p:nvSpPr>
-          <p:cNvPr id="2" name="Title 1"/>
+          <p:cNvPr id="4" name="Content Placeholder 3"/>
+          <p:cNvSpPr>
+            <a:spLocks noGrp="1"/>
+          </p:cNvSpPr>
+          <p:nvPr>
+            <p:ph idx="1"/>
+          </p:nvPr>
+        </p:nvSpPr>
+        <p:spPr>
+          <a:xfrm>
+            <a:off x="457200" y="3010133"/>
+            <a:ext cx="10515600" cy="3501024"/>
+          </a:xfrm>
+        </p:spPr>
+        <p:txBody>
+          <a:bodyPr/>
+          <a:lstStyle/>
+          <a:p>
+            <a:pPr marL="0" indent="0">
+              <a:buNone/>
+            </a:pPr>
+            <a:r>
+              <a:rPr lang="en-US" b="1" dirty="0"/>
+              <a:t>Formal definition:</a:t>
+            </a:r>
+          </a:p>
+          <a:p>
+            <a:pPr marL="0" indent="0">
+              <a:buNone/>
+            </a:pPr>
+            <a:r>
+              <a:rPr lang="en-US" dirty="0"/>
+              <a:t>A directed graph is an ordered pair </a:t>
+            </a:r>
+            <a:r>
+              <a:rPr lang="en-US" i="1" dirty="0"/>
+              <a:t>G</a:t>
+            </a:r>
+            <a:r>
+              <a:rPr lang="en-US" dirty="0"/>
+              <a:t> = (</a:t>
+            </a:r>
+            <a:r>
+              <a:rPr lang="en-US" i="1" dirty="0"/>
+              <a:t>V</a:t>
+            </a:r>
+            <a:r>
+              <a:rPr lang="en-US" dirty="0"/>
+              <a:t>, </a:t>
+            </a:r>
+            <a:r>
+              <a:rPr lang="en-US" i="1" dirty="0"/>
+              <a:t>A</a:t>
+            </a:r>
+            <a:r>
+              <a:rPr lang="en-US" dirty="0"/>
+              <a:t>) where</a:t>
+            </a:r>
+          </a:p>
+          <a:p>
+            <a:r>
+              <a:rPr lang="en-US" i="1" dirty="0"/>
+              <a:t>V</a:t>
+            </a:r>
+            <a:r>
+              <a:rPr lang="en-US" dirty="0"/>
+              <a:t> is a set whose elements are called </a:t>
+            </a:r>
+            <a:r>
+              <a:rPr lang="en-US" i="1" dirty="0"/>
+              <a:t>vertices</a:t>
+            </a:r>
+            <a:r>
+              <a:rPr lang="en-US" dirty="0"/>
+              <a:t>, </a:t>
+            </a:r>
+            <a:r>
+              <a:rPr lang="en-US" i="1" dirty="0"/>
+              <a:t>nodes</a:t>
+            </a:r>
+            <a:r>
+              <a:rPr lang="en-US" dirty="0"/>
+              <a:t>, or </a:t>
+            </a:r>
+            <a:r>
+              <a:rPr lang="en-US" i="1" dirty="0"/>
+              <a:t>points</a:t>
+            </a:r>
+            <a:r>
+              <a:rPr lang="en-US" dirty="0"/>
+              <a:t>;</a:t>
+            </a:r>
+          </a:p>
+          <a:p>
+            <a:r>
+              <a:rPr lang="en-US" i="1" dirty="0"/>
+              <a:t>A</a:t>
+            </a:r>
+            <a:r>
+              <a:rPr lang="en-US" dirty="0"/>
+              <a:t> is a set of ordered pairs of vertices, called </a:t>
+            </a:r>
+            <a:r>
+              <a:rPr lang="en-US" i="1" dirty="0"/>
+              <a:t>arrows</a:t>
+            </a:r>
+            <a:r>
+              <a:rPr lang="en-US" dirty="0"/>
+              <a:t>, </a:t>
+            </a:r>
+            <a:r>
+              <a:rPr lang="en-US" i="1" dirty="0"/>
+              <a:t>directed edges</a:t>
+            </a:r>
+            <a:r>
+              <a:rPr lang="en-US" dirty="0"/>
+              <a:t> (sometimes simply </a:t>
+            </a:r>
+            <a:r>
+              <a:rPr lang="en-US" i="1" dirty="0"/>
+              <a:t>edges</a:t>
+            </a:r>
+            <a:r>
+              <a:rPr lang="en-US" dirty="0"/>
+              <a:t> with the corresponding set named </a:t>
+            </a:r>
+            <a:r>
+              <a:rPr lang="en-US" i="1" dirty="0"/>
+              <a:t>E</a:t>
+            </a:r>
+            <a:r>
+              <a:rPr lang="en-US" dirty="0"/>
+              <a:t> instead of </a:t>
+            </a:r>
+            <a:r>
+              <a:rPr lang="en-US" i="1" dirty="0"/>
+              <a:t>A</a:t>
+            </a:r>
+            <a:r>
+              <a:rPr lang="en-US" dirty="0"/>
+              <a:t>), </a:t>
+            </a:r>
+            <a:r>
+              <a:rPr lang="en-US" i="1" dirty="0"/>
+              <a:t>directed arcs</a:t>
+            </a:r>
+            <a:r>
+              <a:rPr lang="en-US" dirty="0"/>
+              <a:t>, or </a:t>
+            </a:r>
+            <a:r>
+              <a:rPr lang="en-US" i="1" dirty="0"/>
+              <a:t>directed lines</a:t>
+            </a:r>
+            <a:r>
+              <a:rPr lang="en-US" dirty="0"/>
+              <a:t>.</a:t>
+            </a:r>
+          </a:p>
+          <a:p>
+            <a:pPr marL="0" indent="0">
+              <a:buNone/>
+            </a:pPr>
+            <a:r>
+              <a:rPr lang="en-US" dirty="0"/>
+              <a:t>(Thanks </a:t>
+            </a:r>
+            <a:r>
+              <a:rPr lang="en-US" dirty="0">
+                <a:hlinkClick r:id="rId2"/>
+              </a:rPr>
+              <a:t>Wikipedia</a:t>
+            </a:r>
+            <a:r>
+              <a:rPr lang="en-US" dirty="0"/>
+              <a:t>)</a:t>
+            </a:r>
+          </a:p>
+          <a:p>
+            <a:pPr marL="0" indent="0">
+              <a:buNone/>
+            </a:pPr>
+            <a:endParaRPr lang="en-US" dirty="0"/>
+          </a:p>
+        </p:txBody>
+      </p:sp>
+      <p:sp>
+        <p:nvSpPr>
+          <p:cNvPr id="5" name="TextBox 4"/>
+          <p:cNvSpPr txBox="1"/>
+          <p:nvPr/>
+        </p:nvSpPr>
+        <p:spPr>
+          <a:xfrm>
+            <a:off x="457200" y="1599883"/>
+            <a:ext cx="8781789" cy="954107"/>
+          </a:xfrm>
+          <a:prstGeom prst="rect">
+            <a:avLst/>
+          </a:prstGeom>
+          <a:noFill/>
+        </p:spPr>
+        <p:txBody>
+          <a:bodyPr wrap="square" rtlCol="0">
+            <a:spAutoFit/>
+          </a:bodyPr>
+          <a:lstStyle/>
+          <a:p>
+            <a:pPr marL="285750" indent="-285750">
+              <a:buFont typeface="Arial" panose="020B0604020202020204" pitchFamily="34" charset="0"/>
+              <a:buChar char="•"/>
+            </a:pPr>
+            <a:r>
+              <a:rPr lang="en-US" sz="2800" dirty="0"/>
+              <a:t>The edges of a directed graph have an associated orientation, and can only be traveled in one direction.</a:t>
+            </a:r>
+          </a:p>
+        </p:txBody>
+      </p:sp>
+      <p:sp>
+        <p:nvSpPr>
+          <p:cNvPr id="7" name="Title 1"/>
           <p:cNvSpPr>
             <a:spLocks noGrp="1"/>
           </p:cNvSpPr>
@@ -4051,60 +3847,21 @@
             <p:ph type="title"/>
           </p:nvPr>
         </p:nvSpPr>
-        <p:spPr/>
-        <p:txBody>
-          <a:bodyPr/>
-          <a:lstStyle/>
-          <a:p>
-            <a:r>
-              <a:rPr lang="en-US" dirty="0"/>
-              <a:t>Undirected</a:t>
-            </a:r>
-          </a:p>
-        </p:txBody>
-      </p:sp>
-      <p:sp>
-        <p:nvSpPr>
-          <p:cNvPr id="3" name="Content Placeholder 2"/>
-          <p:cNvSpPr>
-            <a:spLocks noGrp="1"/>
-          </p:cNvSpPr>
-          <p:nvPr>
-            <p:ph idx="1"/>
-          </p:nvPr>
-        </p:nvSpPr>
-        <p:spPr/>
-        <p:txBody>
-          <a:bodyPr/>
-          <a:lstStyle/>
-          <a:p>
-            <a:r>
-              <a:rPr lang="en-US" dirty="0"/>
-              <a:t>Edges are </a:t>
-            </a:r>
-            <a:r>
-              <a:rPr lang="en-US" b="1" dirty="0"/>
-              <a:t>bidirectional </a:t>
-            </a:r>
-            <a:r>
-              <a:rPr lang="en-US" dirty="0"/>
-              <a:t>and traversable in both directions.</a:t>
-            </a:r>
-          </a:p>
-          <a:p>
-            <a:r>
-              <a:rPr lang="en-US" dirty="0"/>
-              <a:t>Can contain loops, but not necessarily.</a:t>
-            </a:r>
-          </a:p>
-          <a:p>
-            <a:r>
-              <a:rPr lang="en-US" dirty="0"/>
-              <a:t>Undirected graphs are most often called </a:t>
-            </a:r>
-            <a:r>
-              <a:rPr lang="en-US" b="1" dirty="0"/>
-              <a:t>“simple graphs.”</a:t>
+        <p:spPr>
+          <a:xfrm>
+            <a:off x="457200" y="274320"/>
+            <a:ext cx="10515600" cy="1325563"/>
+          </a:xfrm>
+        </p:spPr>
+        <p:txBody>
+          <a:bodyPr>
+            <a:normAutofit/>
+          </a:bodyPr>
+          <a:lstStyle/>
+          <a:p>
+            <a:r>
+              <a:rPr lang="en-US" sz="5400" dirty="0"/>
+              <a:t>Directed</a:t>
             </a:r>
           </a:p>
         </p:txBody>
@@ -4112,7 +3869,7 @@
     </p:spTree>
     <p:extLst>
       <p:ext uri="{BB962C8B-B14F-4D97-AF65-F5344CB8AC3E}">
-        <p14:creationId xmlns:p14="http://schemas.microsoft.com/office/powerpoint/2010/main" val="53597014"/>
+        <p14:creationId xmlns:p14="http://schemas.microsoft.com/office/powerpoint/2010/main" val="1830086728"/>
       </p:ext>
     </p:extLst>
   </p:cSld>
@@ -4151,233 +3908,36 @@
         </p:nvSpPr>
         <p:spPr/>
         <p:txBody>
+          <a:bodyPr>
+            <a:normAutofit/>
+          </a:bodyPr>
+          <a:lstStyle/>
+          <a:p>
+            <a:r>
+              <a:rPr lang="en-US" sz="7200" b="1" dirty="0"/>
+              <a:t>Implementation In C++</a:t>
+            </a:r>
+          </a:p>
+        </p:txBody>
+      </p:sp>
+      <p:sp>
+        <p:nvSpPr>
+          <p:cNvPr id="4" name="Text Placeholder 3"/>
+          <p:cNvSpPr>
+            <a:spLocks noGrp="1"/>
+          </p:cNvSpPr>
+          <p:nvPr>
+            <p:ph type="body" idx="1"/>
+          </p:nvPr>
+        </p:nvSpPr>
+        <p:spPr/>
+        <p:txBody>
           <a:bodyPr/>
           <a:lstStyle/>
           <a:p>
             <a:r>
               <a:rPr lang="en-US" dirty="0"/>
-              <a:t>Directed</a:t>
-            </a:r>
-          </a:p>
-        </p:txBody>
-      </p:sp>
-      <p:sp>
-        <p:nvSpPr>
-          <p:cNvPr id="4" name="Content Placeholder 3"/>
-          <p:cNvSpPr>
-            <a:spLocks noGrp="1"/>
-          </p:cNvSpPr>
-          <p:nvPr>
-            <p:ph idx="1"/>
-          </p:nvPr>
-        </p:nvSpPr>
-        <p:spPr>
-          <a:xfrm>
-            <a:off x="838200" y="3356975"/>
-            <a:ext cx="10515600" cy="3501024"/>
-          </a:xfrm>
-        </p:spPr>
-        <p:txBody>
-          <a:bodyPr/>
-          <a:lstStyle/>
-          <a:p>
-            <a:pPr marL="0" indent="0">
-              <a:buNone/>
-            </a:pPr>
-            <a:r>
-              <a:rPr lang="en-US" b="1" dirty="0"/>
-              <a:t>Formal definition:</a:t>
-            </a:r>
-          </a:p>
-          <a:p>
-            <a:pPr marL="0" indent="0">
-              <a:buNone/>
-            </a:pPr>
-            <a:r>
-              <a:rPr lang="en-US" dirty="0"/>
-              <a:t>A directed graph is an ordered pair </a:t>
-            </a:r>
-            <a:r>
-              <a:rPr lang="en-US" i="1" dirty="0"/>
-              <a:t>G</a:t>
-            </a:r>
-            <a:r>
-              <a:rPr lang="en-US" dirty="0"/>
-              <a:t> = (</a:t>
-            </a:r>
-            <a:r>
-              <a:rPr lang="en-US" i="1" dirty="0"/>
-              <a:t>V</a:t>
-            </a:r>
-            <a:r>
-              <a:rPr lang="en-US" dirty="0"/>
-              <a:t>, </a:t>
-            </a:r>
-            <a:r>
-              <a:rPr lang="en-US" i="1" dirty="0"/>
-              <a:t>A</a:t>
-            </a:r>
-            <a:r>
-              <a:rPr lang="en-US" dirty="0"/>
-              <a:t>) where</a:t>
-            </a:r>
-          </a:p>
-          <a:p>
-            <a:r>
-              <a:rPr lang="en-US" i="1" dirty="0"/>
-              <a:t>V</a:t>
-            </a:r>
-            <a:r>
-              <a:rPr lang="en-US" dirty="0"/>
-              <a:t> is a set whose elements are called </a:t>
-            </a:r>
-            <a:r>
-              <a:rPr lang="en-US" i="1" dirty="0"/>
-              <a:t>vertices</a:t>
-            </a:r>
-            <a:r>
-              <a:rPr lang="en-US" dirty="0"/>
-              <a:t>, </a:t>
-            </a:r>
-            <a:r>
-              <a:rPr lang="en-US" i="1" dirty="0"/>
-              <a:t>nodes</a:t>
-            </a:r>
-            <a:r>
-              <a:rPr lang="en-US" dirty="0"/>
-              <a:t>, or </a:t>
-            </a:r>
-            <a:r>
-              <a:rPr lang="en-US" i="1" dirty="0"/>
-              <a:t>points</a:t>
-            </a:r>
-            <a:r>
-              <a:rPr lang="en-US" dirty="0"/>
-              <a:t>;</a:t>
-            </a:r>
-          </a:p>
-          <a:p>
-            <a:r>
-              <a:rPr lang="en-US" i="1" dirty="0"/>
-              <a:t>A</a:t>
-            </a:r>
-            <a:r>
-              <a:rPr lang="en-US" dirty="0"/>
-              <a:t> is a set of ordered pairs of vertices, called </a:t>
-            </a:r>
-            <a:r>
-              <a:rPr lang="en-US" i="1" dirty="0"/>
-              <a:t>arrows</a:t>
-            </a:r>
-            <a:r>
-              <a:rPr lang="en-US" dirty="0"/>
-              <a:t>, </a:t>
-            </a:r>
-            <a:r>
-              <a:rPr lang="en-US" i="1" dirty="0"/>
-              <a:t>directed edges</a:t>
-            </a:r>
-            <a:r>
-              <a:rPr lang="en-US" dirty="0"/>
-              <a:t> (sometimes simply </a:t>
-            </a:r>
-            <a:r>
-              <a:rPr lang="en-US" i="1" dirty="0"/>
-              <a:t>edges</a:t>
-            </a:r>
-            <a:r>
-              <a:rPr lang="en-US" dirty="0"/>
-              <a:t> with the corresponding set named </a:t>
-            </a:r>
-            <a:r>
-              <a:rPr lang="en-US" i="1" dirty="0"/>
-              <a:t>E</a:t>
-            </a:r>
-            <a:r>
-              <a:rPr lang="en-US" dirty="0"/>
-              <a:t> instead of </a:t>
-            </a:r>
-            <a:r>
-              <a:rPr lang="en-US" i="1" dirty="0"/>
-              <a:t>A</a:t>
-            </a:r>
-            <a:r>
-              <a:rPr lang="en-US" dirty="0"/>
-              <a:t>), </a:t>
-            </a:r>
-            <a:r>
-              <a:rPr lang="en-US" i="1" dirty="0"/>
-              <a:t>directed arcs</a:t>
-            </a:r>
-            <a:r>
-              <a:rPr lang="en-US" dirty="0"/>
-              <a:t>, or </a:t>
-            </a:r>
-            <a:r>
-              <a:rPr lang="en-US" i="1" dirty="0"/>
-              <a:t>directed lines</a:t>
-            </a:r>
-            <a:r>
-              <a:rPr lang="en-US" dirty="0"/>
-              <a:t>.</a:t>
-            </a:r>
-          </a:p>
-          <a:p>
-            <a:pPr marL="0" indent="0">
-              <a:buNone/>
-            </a:pPr>
-            <a:r>
-              <a:rPr lang="en-US" dirty="0"/>
-              <a:t>(Thanks Wikipedia)</a:t>
-            </a:r>
-          </a:p>
-          <a:p>
-            <a:pPr marL="0" indent="0">
-              <a:buNone/>
-            </a:pPr>
-            <a:endParaRPr lang="en-US" dirty="0"/>
-          </a:p>
-        </p:txBody>
-      </p:sp>
-      <p:sp>
-        <p:nvSpPr>
-          <p:cNvPr id="5" name="TextBox 4"/>
-          <p:cNvSpPr txBox="1"/>
-          <p:nvPr/>
-        </p:nvSpPr>
-        <p:spPr>
-          <a:xfrm>
-            <a:off x="838200" y="1569724"/>
-            <a:ext cx="8781789" cy="1384995"/>
-          </a:xfrm>
-          <a:prstGeom prst="rect">
-            <a:avLst/>
-          </a:prstGeom>
-          <a:noFill/>
-        </p:spPr>
-        <p:txBody>
-          <a:bodyPr wrap="square" rtlCol="0">
-            <a:spAutoFit/>
-          </a:bodyPr>
-          <a:lstStyle/>
-          <a:p>
-            <a:pPr marL="285750" indent="-285750">
-              <a:buFont typeface="Arial" panose="020B0604020202020204" pitchFamily="34" charset="0"/>
-              <a:buChar char="•"/>
-            </a:pPr>
-            <a:r>
-              <a:rPr lang="en-US" sz="2800" dirty="0"/>
-              <a:t>The edges of a directed graph have an associated orientation, and can only be traveled in one direction,</a:t>
-            </a:r>
-          </a:p>
-          <a:p>
-            <a:pPr marL="285750" indent="-285750">
-              <a:buFont typeface="Arial" panose="020B0604020202020204" pitchFamily="34" charset="0"/>
-              <a:buChar char="•"/>
-            </a:pPr>
-            <a:r>
-              <a:rPr lang="en-US" sz="2800" dirty="0"/>
-              <a:t>Otherwise it remains fairly similar to a simple graph.</a:t>
+              <a:t>The nitty-gritty</a:t>
             </a:r>
           </a:p>
         </p:txBody>
@@ -4385,7 +3945,7 @@
     </p:spTree>
     <p:extLst>
       <p:ext uri="{BB962C8B-B14F-4D97-AF65-F5344CB8AC3E}">
-        <p14:creationId xmlns:p14="http://schemas.microsoft.com/office/powerpoint/2010/main" val="1830086728"/>
+        <p14:creationId xmlns:p14="http://schemas.microsoft.com/office/powerpoint/2010/main" val="527956705"/>
       </p:ext>
     </p:extLst>
   </p:cSld>
@@ -4414,74 +3974,95 @@
       </p:grpSpPr>
       <p:sp>
         <p:nvSpPr>
-          <p:cNvPr id="2" name="Title 1"/>
-          <p:cNvSpPr>
-            <a:spLocks noGrp="1"/>
-          </p:cNvSpPr>
-          <p:nvPr>
-            <p:ph type="title"/>
-          </p:nvPr>
-        </p:nvSpPr>
-        <p:spPr/>
+          <p:cNvPr id="5" name="Content Placeholder 4"/>
+          <p:cNvSpPr>
+            <a:spLocks noGrp="1"/>
+          </p:cNvSpPr>
+          <p:nvPr>
+            <p:ph idx="1"/>
+          </p:nvPr>
+        </p:nvSpPr>
+        <p:spPr>
+          <a:xfrm>
+            <a:off x="457200" y="1599883"/>
+            <a:ext cx="10515600" cy="4351338"/>
+          </a:xfrm>
+        </p:spPr>
         <p:txBody>
           <a:bodyPr/>
           <a:lstStyle/>
           <a:p>
             <a:r>
               <a:rPr lang="en-US" dirty="0"/>
-              <a:t>Acyclic Directed Graphs</a:t>
-            </a:r>
-          </a:p>
-        </p:txBody>
-      </p:sp>
-      <p:sp>
-        <p:nvSpPr>
-          <p:cNvPr id="3" name="Content Placeholder 2"/>
-          <p:cNvSpPr>
-            <a:spLocks noGrp="1"/>
-          </p:cNvSpPr>
-          <p:nvPr>
-            <p:ph idx="1"/>
-          </p:nvPr>
-        </p:nvSpPr>
-        <p:spPr/>
-        <p:txBody>
-          <a:bodyPr/>
-          <a:lstStyle/>
-          <a:p>
-            <a:r>
-              <a:rPr lang="en-US" dirty="0"/>
-              <a:t>Each node </a:t>
-            </a:r>
-            <a:r>
-              <a:rPr lang="en-US" b="1" dirty="0"/>
-              <a:t>cannot</a:t>
-            </a:r>
-            <a:r>
-              <a:rPr lang="en-US" dirty="0"/>
-              <a:t> follow a path that will </a:t>
-            </a:r>
-            <a:r>
-              <a:rPr lang="en-US" b="1" dirty="0"/>
-              <a:t>lead back to itself</a:t>
-            </a:r>
-            <a:r>
-              <a:rPr lang="en-US" dirty="0"/>
-              <a:t>,</a:t>
-            </a:r>
-          </a:p>
-          <a:p>
-            <a:r>
-              <a:rPr lang="en-US" dirty="0"/>
-              <a:t>In other words: an acyclic directed graph is a directed graph with </a:t>
-            </a:r>
-            <a:r>
-              <a:rPr lang="en-US" b="1" dirty="0"/>
-              <a:t>no “loops”</a:t>
-            </a:r>
-            <a:r>
-              <a:rPr lang="en-US" dirty="0"/>
-              <a:t> of one or more edges.</a:t>
+              <a:t>Some more terminology I’ll be using in the upcoming slides:</a:t>
+            </a:r>
+          </a:p>
+          <a:p>
+            <a:pPr lvl="1"/>
+            <a:r>
+              <a:rPr lang="en-US" sz="3200" dirty="0"/>
+              <a:t>V – number of nodes/vertices</a:t>
+            </a:r>
+          </a:p>
+          <a:p>
+            <a:pPr lvl="1"/>
+            <a:r>
+              <a:rPr lang="en-US" sz="3200" dirty="0"/>
+              <a:t>E – number of edges</a:t>
+            </a:r>
+          </a:p>
+          <a:p>
+            <a:r>
+              <a:rPr lang="en-US" sz="3600" dirty="0"/>
+              <a:t>Adjacency List – An implementation of a graph that stores edges in a linked list structure.</a:t>
+            </a:r>
+          </a:p>
+        </p:txBody>
+      </p:sp>
+      <p:sp>
+        <p:nvSpPr>
+          <p:cNvPr id="6" name="Title 1"/>
+          <p:cNvSpPr txBox="1">
+            <a:spLocks/>
+          </p:cNvSpPr>
+          <p:nvPr/>
+        </p:nvSpPr>
+        <p:spPr>
+          <a:xfrm>
+            <a:off x="457200" y="274320"/>
+            <a:ext cx="10515600" cy="1325563"/>
+          </a:xfrm>
+          <a:prstGeom prst="rect">
+            <a:avLst/>
+          </a:prstGeom>
+        </p:spPr>
+        <p:txBody>
+          <a:bodyPr vert="horz" lIns="91440" tIns="45720" rIns="91440" bIns="45720" rtlCol="0" anchor="ctr">
+            <a:normAutofit/>
+          </a:bodyPr>
+          <a:lstStyle>
+            <a:lvl1pPr algn="l" defTabSz="914400" rtl="0" eaLnBrk="1" latinLnBrk="0" hangingPunct="1">
+              <a:lnSpc>
+                <a:spcPct val="90000"/>
+              </a:lnSpc>
+              <a:spcBef>
+                <a:spcPct val="0"/>
+              </a:spcBef>
+              <a:buNone/>
+              <a:defRPr sz="4400" kern="1200">
+                <a:solidFill>
+                  <a:schemeClr val="tx1"/>
+                </a:solidFill>
+                <a:latin typeface="+mj-lt"/>
+                <a:ea typeface="+mj-ea"/>
+                <a:cs typeface="+mj-cs"/>
+              </a:defRPr>
+            </a:lvl1pPr>
+          </a:lstStyle>
+          <a:p>
+            <a:r>
+              <a:rPr lang="en-US" sz="5400" dirty="0"/>
+              <a:t>Terminology</a:t>
             </a:r>
           </a:p>
         </p:txBody>
@@ -4489,7 +4070,7 @@
     </p:spTree>
     <p:extLst>
       <p:ext uri="{BB962C8B-B14F-4D97-AF65-F5344CB8AC3E}">
-        <p14:creationId xmlns:p14="http://schemas.microsoft.com/office/powerpoint/2010/main" val="1293537903"/>
+        <p14:creationId xmlns:p14="http://schemas.microsoft.com/office/powerpoint/2010/main" val="3776927409"/>
       </p:ext>
     </p:extLst>
   </p:cSld>
@@ -4526,36 +4107,1081 @@
             <p:ph type="title"/>
           </p:nvPr>
         </p:nvSpPr>
-        <p:spPr/>
-        <p:txBody>
-          <a:bodyPr/>
-          <a:lstStyle/>
-          <a:p>
-            <a:r>
-              <a:rPr lang="en-US" dirty="0"/>
-              <a:t>Implementation In C++</a:t>
-            </a:r>
-          </a:p>
-        </p:txBody>
-      </p:sp>
-      <p:sp>
-        <p:nvSpPr>
-          <p:cNvPr id="4" name="Text Placeholder 3"/>
-          <p:cNvSpPr>
-            <a:spLocks noGrp="1"/>
-          </p:cNvSpPr>
-          <p:nvPr>
-            <p:ph type="body" idx="1"/>
-          </p:nvPr>
-        </p:nvSpPr>
-        <p:spPr/>
-        <p:txBody>
-          <a:bodyPr/>
-          <a:lstStyle/>
-          <a:p>
-            <a:r>
-              <a:rPr lang="en-US" dirty="0"/>
-              <a:t>The nitty-gritty</a:t>
+        <p:spPr>
+          <a:xfrm>
+            <a:off x="458722" y="274320"/>
+            <a:ext cx="10515600" cy="1325563"/>
+          </a:xfrm>
+        </p:spPr>
+        <p:txBody>
+          <a:bodyPr>
+            <a:normAutofit/>
+          </a:bodyPr>
+          <a:lstStyle/>
+          <a:p>
+            <a:r>
+              <a:rPr lang="en-US" sz="5400" dirty="0"/>
+              <a:t>Adjacency List Structure</a:t>
+            </a:r>
+          </a:p>
+        </p:txBody>
+      </p:sp>
+      <p:sp>
+        <p:nvSpPr>
+          <p:cNvPr id="3" name="Content Placeholder 2"/>
+          <p:cNvSpPr>
+            <a:spLocks noGrp="1"/>
+          </p:cNvSpPr>
+          <p:nvPr>
+            <p:ph idx="1"/>
+          </p:nvPr>
+        </p:nvSpPr>
+        <p:spPr>
+          <a:xfrm>
+            <a:off x="469590" y="2946290"/>
+            <a:ext cx="561525" cy="2114592"/>
+          </a:xfrm>
+        </p:spPr>
+        <p:txBody>
+          <a:bodyPr>
+            <a:noAutofit/>
+          </a:bodyPr>
+          <a:lstStyle/>
+          <a:p>
+            <a:pPr marL="0" indent="0">
+              <a:buNone/>
+            </a:pPr>
+            <a:r>
+              <a:rPr lang="en-US" sz="4400" dirty="0"/>
+              <a:t>A</a:t>
+            </a:r>
+          </a:p>
+          <a:p>
+            <a:pPr marL="0" indent="0">
+              <a:buNone/>
+            </a:pPr>
+            <a:r>
+              <a:rPr lang="en-US" sz="4400" dirty="0"/>
+              <a:t>B</a:t>
+            </a:r>
+          </a:p>
+          <a:p>
+            <a:pPr marL="0" indent="0">
+              <a:buNone/>
+            </a:pPr>
+            <a:r>
+              <a:rPr lang="en-US" sz="4400" dirty="0"/>
+              <a:t>C</a:t>
+            </a:r>
+          </a:p>
+        </p:txBody>
+      </p:sp>
+      <p:sp>
+        <p:nvSpPr>
+          <p:cNvPr id="4" name="Rectangle 3"/>
+          <p:cNvSpPr/>
+          <p:nvPr/>
+        </p:nvSpPr>
+        <p:spPr>
+          <a:xfrm>
+            <a:off x="3481556" y="2895229"/>
+            <a:ext cx="1603331" cy="638826"/>
+          </a:xfrm>
+          <a:prstGeom prst="rect">
+            <a:avLst/>
+          </a:prstGeom>
+          <a:ln w="25400">
+            <a:solidFill>
+              <a:schemeClr val="tx1"/>
+            </a:solidFill>
+          </a:ln>
+        </p:spPr>
+        <p:style>
+          <a:lnRef idx="2">
+            <a:schemeClr val="accent6"/>
+          </a:lnRef>
+          <a:fillRef idx="1">
+            <a:schemeClr val="lt1"/>
+          </a:fillRef>
+          <a:effectRef idx="0">
+            <a:schemeClr val="accent6"/>
+          </a:effectRef>
+          <a:fontRef idx="minor">
+            <a:schemeClr val="dk1"/>
+          </a:fontRef>
+        </p:style>
+        <p:txBody>
+          <a:bodyPr rtlCol="0" anchor="ctr"/>
+          <a:lstStyle/>
+          <a:p>
+            <a:pPr algn="ctr"/>
+            <a:r>
+              <a:rPr lang="en-US" sz="3200" dirty="0"/>
+              <a:t>2 : 5.0</a:t>
+            </a:r>
+            <a:endParaRPr lang="en-US" dirty="0"/>
+          </a:p>
+        </p:txBody>
+      </p:sp>
+      <p:sp>
+        <p:nvSpPr>
+          <p:cNvPr id="8" name="Rectangle 7"/>
+          <p:cNvSpPr/>
+          <p:nvPr/>
+        </p:nvSpPr>
+        <p:spPr>
+          <a:xfrm>
+            <a:off x="3481557" y="3678470"/>
+            <a:ext cx="1603331" cy="638826"/>
+          </a:xfrm>
+          <a:prstGeom prst="rect">
+            <a:avLst/>
+          </a:prstGeom>
+          <a:ln w="25400">
+            <a:solidFill>
+              <a:schemeClr val="tx1"/>
+            </a:solidFill>
+          </a:ln>
+        </p:spPr>
+        <p:style>
+          <a:lnRef idx="2">
+            <a:schemeClr val="accent6"/>
+          </a:lnRef>
+          <a:fillRef idx="1">
+            <a:schemeClr val="lt1"/>
+          </a:fillRef>
+          <a:effectRef idx="0">
+            <a:schemeClr val="accent6"/>
+          </a:effectRef>
+          <a:fontRef idx="minor">
+            <a:schemeClr val="dk1"/>
+          </a:fontRef>
+        </p:style>
+        <p:txBody>
+          <a:bodyPr rtlCol="0" anchor="ctr"/>
+          <a:lstStyle/>
+          <a:p>
+            <a:pPr algn="ctr"/>
+            <a:r>
+              <a:rPr lang="en-US" sz="3200" dirty="0"/>
+              <a:t>0 : 3.0</a:t>
+            </a:r>
+          </a:p>
+        </p:txBody>
+      </p:sp>
+      <p:sp>
+        <p:nvSpPr>
+          <p:cNvPr id="9" name="Rectangle 8"/>
+          <p:cNvSpPr/>
+          <p:nvPr/>
+        </p:nvSpPr>
+        <p:spPr>
+          <a:xfrm>
+            <a:off x="3481556" y="4459473"/>
+            <a:ext cx="1603331" cy="638826"/>
+          </a:xfrm>
+          <a:prstGeom prst="rect">
+            <a:avLst/>
+          </a:prstGeom>
+          <a:ln w="25400">
+            <a:solidFill>
+              <a:schemeClr val="tx1"/>
+            </a:solidFill>
+          </a:ln>
+        </p:spPr>
+        <p:style>
+          <a:lnRef idx="2">
+            <a:schemeClr val="accent6"/>
+          </a:lnRef>
+          <a:fillRef idx="1">
+            <a:schemeClr val="lt1"/>
+          </a:fillRef>
+          <a:effectRef idx="0">
+            <a:schemeClr val="accent6"/>
+          </a:effectRef>
+          <a:fontRef idx="minor">
+            <a:schemeClr val="dk1"/>
+          </a:fontRef>
+        </p:style>
+        <p:txBody>
+          <a:bodyPr rtlCol="0" anchor="ctr"/>
+          <a:lstStyle/>
+          <a:p>
+            <a:pPr algn="ctr"/>
+            <a:r>
+              <a:rPr lang="en-US" sz="3200" dirty="0"/>
+              <a:t>0 : 1.5</a:t>
+            </a:r>
+          </a:p>
+        </p:txBody>
+      </p:sp>
+      <p:sp>
+        <p:nvSpPr>
+          <p:cNvPr id="14" name="Rectangle 13"/>
+          <p:cNvSpPr/>
+          <p:nvPr/>
+        </p:nvSpPr>
+        <p:spPr>
+          <a:xfrm>
+            <a:off x="5589583" y="3678470"/>
+            <a:ext cx="1603331" cy="638826"/>
+          </a:xfrm>
+          <a:prstGeom prst="rect">
+            <a:avLst/>
+          </a:prstGeom>
+          <a:ln w="25400">
+            <a:solidFill>
+              <a:schemeClr val="tx1"/>
+            </a:solidFill>
+          </a:ln>
+        </p:spPr>
+        <p:style>
+          <a:lnRef idx="2">
+            <a:schemeClr val="accent6"/>
+          </a:lnRef>
+          <a:fillRef idx="1">
+            <a:schemeClr val="lt1"/>
+          </a:fillRef>
+          <a:effectRef idx="0">
+            <a:schemeClr val="accent6"/>
+          </a:effectRef>
+          <a:fontRef idx="minor">
+            <a:schemeClr val="dk1"/>
+          </a:fontRef>
+        </p:style>
+        <p:txBody>
+          <a:bodyPr rtlCol="0" anchor="ctr"/>
+          <a:lstStyle/>
+          <a:p>
+            <a:pPr algn="ctr"/>
+            <a:r>
+              <a:rPr lang="en-US" sz="3200" dirty="0"/>
+              <a:t>2 : 2.0</a:t>
+            </a:r>
+            <a:endParaRPr lang="en-US" dirty="0"/>
+          </a:p>
+        </p:txBody>
+      </p:sp>
+      <p:cxnSp>
+        <p:nvCxnSpPr>
+          <p:cNvPr id="18" name="Straight Arrow Connector 17"/>
+          <p:cNvCxnSpPr>
+            <a:stCxn id="8" idx="3"/>
+            <a:endCxn id="14" idx="1"/>
+          </p:cNvCxnSpPr>
+          <p:nvPr/>
+        </p:nvCxnSpPr>
+        <p:spPr>
+          <a:xfrm>
+            <a:off x="5084888" y="3997883"/>
+            <a:ext cx="504695" cy="0"/>
+          </a:xfrm>
+          <a:prstGeom prst="straightConnector1">
+            <a:avLst/>
+          </a:prstGeom>
+          <a:ln w="25400">
+            <a:solidFill>
+              <a:schemeClr val="tx1"/>
+            </a:solidFill>
+            <a:tailEnd type="triangle" w="lg" len="lg"/>
+          </a:ln>
+        </p:spPr>
+        <p:style>
+          <a:lnRef idx="1">
+            <a:schemeClr val="accent1"/>
+          </a:lnRef>
+          <a:fillRef idx="0">
+            <a:schemeClr val="accent1"/>
+          </a:fillRef>
+          <a:effectRef idx="0">
+            <a:schemeClr val="accent1"/>
+          </a:effectRef>
+          <a:fontRef idx="minor">
+            <a:schemeClr val="tx1"/>
+          </a:fontRef>
+        </p:style>
+      </p:cxnSp>
+      <p:sp>
+        <p:nvSpPr>
+          <p:cNvPr id="39" name="Rectangle 38"/>
+          <p:cNvSpPr/>
+          <p:nvPr/>
+        </p:nvSpPr>
+        <p:spPr>
+          <a:xfrm>
+            <a:off x="1245027" y="2900932"/>
+            <a:ext cx="1603331" cy="638826"/>
+          </a:xfrm>
+          <a:prstGeom prst="rect">
+            <a:avLst/>
+          </a:prstGeom>
+          <a:ln w="25400">
+            <a:solidFill>
+              <a:schemeClr val="tx1"/>
+            </a:solidFill>
+          </a:ln>
+        </p:spPr>
+        <p:style>
+          <a:lnRef idx="2">
+            <a:schemeClr val="accent6"/>
+          </a:lnRef>
+          <a:fillRef idx="1">
+            <a:schemeClr val="lt1"/>
+          </a:fillRef>
+          <a:effectRef idx="0">
+            <a:schemeClr val="accent6"/>
+          </a:effectRef>
+          <a:fontRef idx="minor">
+            <a:schemeClr val="dk1"/>
+          </a:fontRef>
+        </p:style>
+        <p:txBody>
+          <a:bodyPr rtlCol="0" anchor="ctr"/>
+          <a:lstStyle/>
+          <a:p>
+            <a:pPr algn="ctr"/>
+            <a:r>
+              <a:rPr lang="en-US" sz="3200" dirty="0"/>
+              <a:t>0</a:t>
+            </a:r>
+            <a:endParaRPr lang="en-US" dirty="0"/>
+          </a:p>
+        </p:txBody>
+      </p:sp>
+      <p:sp>
+        <p:nvSpPr>
+          <p:cNvPr id="40" name="Rectangle 39"/>
+          <p:cNvSpPr/>
+          <p:nvPr/>
+        </p:nvSpPr>
+        <p:spPr>
+          <a:xfrm>
+            <a:off x="1245025" y="3684173"/>
+            <a:ext cx="1603331" cy="638826"/>
+          </a:xfrm>
+          <a:prstGeom prst="rect">
+            <a:avLst/>
+          </a:prstGeom>
+          <a:ln w="25400">
+            <a:solidFill>
+              <a:schemeClr val="tx1"/>
+            </a:solidFill>
+          </a:ln>
+        </p:spPr>
+        <p:style>
+          <a:lnRef idx="2">
+            <a:schemeClr val="accent6"/>
+          </a:lnRef>
+          <a:fillRef idx="1">
+            <a:schemeClr val="lt1"/>
+          </a:fillRef>
+          <a:effectRef idx="0">
+            <a:schemeClr val="accent6"/>
+          </a:effectRef>
+          <a:fontRef idx="minor">
+            <a:schemeClr val="dk1"/>
+          </a:fontRef>
+        </p:style>
+        <p:txBody>
+          <a:bodyPr rtlCol="0" anchor="ctr"/>
+          <a:lstStyle/>
+          <a:p>
+            <a:pPr algn="ctr"/>
+            <a:r>
+              <a:rPr lang="en-US" sz="3200" dirty="0"/>
+              <a:t>1</a:t>
+            </a:r>
+            <a:endParaRPr lang="en-US" dirty="0"/>
+          </a:p>
+        </p:txBody>
+      </p:sp>
+      <p:sp>
+        <p:nvSpPr>
+          <p:cNvPr id="41" name="Rectangle 40"/>
+          <p:cNvSpPr/>
+          <p:nvPr/>
+        </p:nvSpPr>
+        <p:spPr>
+          <a:xfrm>
+            <a:off x="1245026" y="4462534"/>
+            <a:ext cx="1603331" cy="638826"/>
+          </a:xfrm>
+          <a:prstGeom prst="rect">
+            <a:avLst/>
+          </a:prstGeom>
+          <a:ln w="25400">
+            <a:solidFill>
+              <a:schemeClr val="tx1"/>
+            </a:solidFill>
+          </a:ln>
+        </p:spPr>
+        <p:style>
+          <a:lnRef idx="2">
+            <a:schemeClr val="accent6"/>
+          </a:lnRef>
+          <a:fillRef idx="1">
+            <a:schemeClr val="lt1"/>
+          </a:fillRef>
+          <a:effectRef idx="0">
+            <a:schemeClr val="accent6"/>
+          </a:effectRef>
+          <a:fontRef idx="minor">
+            <a:schemeClr val="dk1"/>
+          </a:fontRef>
+        </p:style>
+        <p:txBody>
+          <a:bodyPr rtlCol="0" anchor="ctr"/>
+          <a:lstStyle/>
+          <a:p>
+            <a:pPr algn="ctr"/>
+            <a:r>
+              <a:rPr lang="en-US" sz="3200" dirty="0"/>
+              <a:t>2</a:t>
+            </a:r>
+            <a:endParaRPr lang="en-US" dirty="0"/>
+          </a:p>
+        </p:txBody>
+      </p:sp>
+      <p:cxnSp>
+        <p:nvCxnSpPr>
+          <p:cNvPr id="43" name="Straight Arrow Connector 42"/>
+          <p:cNvCxnSpPr>
+            <a:cxnSpLocks/>
+          </p:cNvCxnSpPr>
+          <p:nvPr/>
+        </p:nvCxnSpPr>
+        <p:spPr>
+          <a:xfrm rot="10800000" flipH="1" flipV="1">
+            <a:off x="928035" y="3222582"/>
+            <a:ext cx="319398" cy="2643"/>
+          </a:xfrm>
+          <a:prstGeom prst="straightConnector1">
+            <a:avLst/>
+          </a:prstGeom>
+          <a:ln>
+            <a:solidFill>
+              <a:schemeClr val="tx1"/>
+            </a:solidFill>
+            <a:tailEnd type="triangle" w="lg" len="lg"/>
+          </a:ln>
+        </p:spPr>
+        <p:style>
+          <a:lnRef idx="1">
+            <a:schemeClr val="accent1"/>
+          </a:lnRef>
+          <a:fillRef idx="0">
+            <a:schemeClr val="accent1"/>
+          </a:fillRef>
+          <a:effectRef idx="0">
+            <a:schemeClr val="accent1"/>
+          </a:effectRef>
+          <a:fontRef idx="minor">
+            <a:schemeClr val="tx1"/>
+          </a:fontRef>
+        </p:style>
+      </p:cxnSp>
+      <p:cxnSp>
+        <p:nvCxnSpPr>
+          <p:cNvPr id="44" name="Straight Arrow Connector 43"/>
+          <p:cNvCxnSpPr>
+            <a:cxnSpLocks/>
+          </p:cNvCxnSpPr>
+          <p:nvPr/>
+        </p:nvCxnSpPr>
+        <p:spPr>
+          <a:xfrm rot="10800000" flipH="1" flipV="1">
+            <a:off x="928035" y="3993745"/>
+            <a:ext cx="319398" cy="2643"/>
+          </a:xfrm>
+          <a:prstGeom prst="straightConnector1">
+            <a:avLst/>
+          </a:prstGeom>
+          <a:ln>
+            <a:solidFill>
+              <a:schemeClr val="tx1"/>
+            </a:solidFill>
+            <a:tailEnd type="triangle" w="lg" len="lg"/>
+          </a:ln>
+        </p:spPr>
+        <p:style>
+          <a:lnRef idx="1">
+            <a:schemeClr val="accent1"/>
+          </a:lnRef>
+          <a:fillRef idx="0">
+            <a:schemeClr val="accent1"/>
+          </a:fillRef>
+          <a:effectRef idx="0">
+            <a:schemeClr val="accent1"/>
+          </a:effectRef>
+          <a:fontRef idx="minor">
+            <a:schemeClr val="tx1"/>
+          </a:fontRef>
+        </p:style>
+      </p:cxnSp>
+      <p:cxnSp>
+        <p:nvCxnSpPr>
+          <p:cNvPr id="45" name="Straight Arrow Connector 44"/>
+          <p:cNvCxnSpPr>
+            <a:cxnSpLocks/>
+          </p:cNvCxnSpPr>
+          <p:nvPr/>
+        </p:nvCxnSpPr>
+        <p:spPr>
+          <a:xfrm rot="10800000" flipH="1" flipV="1">
+            <a:off x="928035" y="4774749"/>
+            <a:ext cx="319398" cy="2643"/>
+          </a:xfrm>
+          <a:prstGeom prst="straightConnector1">
+            <a:avLst/>
+          </a:prstGeom>
+          <a:ln>
+            <a:solidFill>
+              <a:schemeClr val="tx1"/>
+            </a:solidFill>
+            <a:tailEnd type="triangle" w="lg" len="lg"/>
+          </a:ln>
+        </p:spPr>
+        <p:style>
+          <a:lnRef idx="1">
+            <a:schemeClr val="accent1"/>
+          </a:lnRef>
+          <a:fillRef idx="0">
+            <a:schemeClr val="accent1"/>
+          </a:fillRef>
+          <a:effectRef idx="0">
+            <a:schemeClr val="accent1"/>
+          </a:effectRef>
+          <a:fontRef idx="minor">
+            <a:schemeClr val="tx1"/>
+          </a:fontRef>
+        </p:style>
+      </p:cxnSp>
+      <p:sp>
+        <p:nvSpPr>
+          <p:cNvPr id="47" name="TextBox 46"/>
+          <p:cNvSpPr txBox="1"/>
+          <p:nvPr/>
+        </p:nvSpPr>
+        <p:spPr>
+          <a:xfrm>
+            <a:off x="3023417" y="3352429"/>
+            <a:ext cx="433044" cy="1200329"/>
+          </a:xfrm>
+          <a:prstGeom prst="rect">
+            <a:avLst/>
+          </a:prstGeom>
+          <a:noFill/>
+        </p:spPr>
+        <p:txBody>
+          <a:bodyPr wrap="square" rtlCol="0">
+            <a:spAutoFit/>
+          </a:bodyPr>
+          <a:lstStyle/>
+          <a:p>
+            <a:r>
+              <a:rPr lang="en-US" sz="7200" dirty="0"/>
+              <a:t>{</a:t>
+            </a:r>
+            <a:endParaRPr lang="en-US" sz="2400" dirty="0"/>
+          </a:p>
+        </p:txBody>
+      </p:sp>
+      <p:sp>
+        <p:nvSpPr>
+          <p:cNvPr id="48" name="TextBox 47"/>
+          <p:cNvSpPr txBox="1"/>
+          <p:nvPr/>
+        </p:nvSpPr>
+        <p:spPr>
+          <a:xfrm>
+            <a:off x="3023417" y="2556901"/>
+            <a:ext cx="433044" cy="1200329"/>
+          </a:xfrm>
+          <a:prstGeom prst="rect">
+            <a:avLst/>
+          </a:prstGeom>
+          <a:noFill/>
+        </p:spPr>
+        <p:txBody>
+          <a:bodyPr wrap="square" rtlCol="0">
+            <a:spAutoFit/>
+          </a:bodyPr>
+          <a:lstStyle/>
+          <a:p>
+            <a:r>
+              <a:rPr lang="en-US" sz="7200" dirty="0"/>
+              <a:t>{</a:t>
+            </a:r>
+            <a:endParaRPr lang="en-US" sz="2400" dirty="0"/>
+          </a:p>
+        </p:txBody>
+      </p:sp>
+      <p:sp>
+        <p:nvSpPr>
+          <p:cNvPr id="49" name="TextBox 48"/>
+          <p:cNvSpPr txBox="1"/>
+          <p:nvPr/>
+        </p:nvSpPr>
+        <p:spPr>
+          <a:xfrm>
+            <a:off x="3023417" y="4138813"/>
+            <a:ext cx="433044" cy="1200329"/>
+          </a:xfrm>
+          <a:prstGeom prst="rect">
+            <a:avLst/>
+          </a:prstGeom>
+          <a:noFill/>
+        </p:spPr>
+        <p:txBody>
+          <a:bodyPr wrap="square" rtlCol="0">
+            <a:spAutoFit/>
+          </a:bodyPr>
+          <a:lstStyle/>
+          <a:p>
+            <a:r>
+              <a:rPr lang="en-US" sz="7200" dirty="0"/>
+              <a:t>{</a:t>
+            </a:r>
+            <a:endParaRPr lang="en-US" sz="2400" dirty="0"/>
+          </a:p>
+        </p:txBody>
+      </p:sp>
+      <p:sp>
+        <p:nvSpPr>
+          <p:cNvPr id="50" name="TextBox 49"/>
+          <p:cNvSpPr txBox="1"/>
+          <p:nvPr/>
+        </p:nvSpPr>
+        <p:spPr>
+          <a:xfrm>
+            <a:off x="5035097" y="2556900"/>
+            <a:ext cx="433044" cy="1200329"/>
+          </a:xfrm>
+          <a:prstGeom prst="rect">
+            <a:avLst/>
+          </a:prstGeom>
+          <a:noFill/>
+        </p:spPr>
+        <p:txBody>
+          <a:bodyPr wrap="square" rtlCol="0">
+            <a:spAutoFit/>
+          </a:bodyPr>
+          <a:lstStyle/>
+          <a:p>
+            <a:r>
+              <a:rPr lang="en-US" sz="7200" dirty="0"/>
+              <a:t>}</a:t>
+            </a:r>
+            <a:endParaRPr lang="en-US" sz="2400" dirty="0"/>
+          </a:p>
+        </p:txBody>
+      </p:sp>
+      <p:sp>
+        <p:nvSpPr>
+          <p:cNvPr id="52" name="TextBox 51"/>
+          <p:cNvSpPr txBox="1"/>
+          <p:nvPr/>
+        </p:nvSpPr>
+        <p:spPr>
+          <a:xfrm>
+            <a:off x="7152076" y="3352429"/>
+            <a:ext cx="433044" cy="1200329"/>
+          </a:xfrm>
+          <a:prstGeom prst="rect">
+            <a:avLst/>
+          </a:prstGeom>
+          <a:noFill/>
+        </p:spPr>
+        <p:txBody>
+          <a:bodyPr wrap="square" rtlCol="0">
+            <a:spAutoFit/>
+          </a:bodyPr>
+          <a:lstStyle/>
+          <a:p>
+            <a:r>
+              <a:rPr lang="en-US" sz="7200" dirty="0"/>
+              <a:t>}</a:t>
+            </a:r>
+            <a:endParaRPr lang="en-US" sz="2400" dirty="0"/>
+          </a:p>
+        </p:txBody>
+      </p:sp>
+      <p:sp>
+        <p:nvSpPr>
+          <p:cNvPr id="53" name="TextBox 52"/>
+          <p:cNvSpPr txBox="1"/>
+          <p:nvPr/>
+        </p:nvSpPr>
+        <p:spPr>
+          <a:xfrm>
+            <a:off x="5035097" y="4138813"/>
+            <a:ext cx="433044" cy="1200329"/>
+          </a:xfrm>
+          <a:prstGeom prst="rect">
+            <a:avLst/>
+          </a:prstGeom>
+          <a:noFill/>
+        </p:spPr>
+        <p:txBody>
+          <a:bodyPr wrap="square" rtlCol="0">
+            <a:spAutoFit/>
+          </a:bodyPr>
+          <a:lstStyle/>
+          <a:p>
+            <a:r>
+              <a:rPr lang="en-US" sz="7200" dirty="0"/>
+              <a:t>}</a:t>
+            </a:r>
+            <a:endParaRPr lang="en-US" sz="2400" dirty="0"/>
+          </a:p>
+        </p:txBody>
+      </p:sp>
+      <p:sp>
+        <p:nvSpPr>
+          <p:cNvPr id="54" name="TextBox 53"/>
+          <p:cNvSpPr txBox="1"/>
+          <p:nvPr/>
+        </p:nvSpPr>
+        <p:spPr>
+          <a:xfrm>
+            <a:off x="458722" y="1463025"/>
+            <a:ext cx="1990908" cy="707886"/>
+          </a:xfrm>
+          <a:prstGeom prst="rect">
+            <a:avLst/>
+          </a:prstGeom>
+          <a:noFill/>
+        </p:spPr>
+        <p:txBody>
+          <a:bodyPr wrap="square" rtlCol="0">
+            <a:spAutoFit/>
+          </a:bodyPr>
+          <a:lstStyle/>
+          <a:p>
+            <a:r>
+              <a:rPr lang="en-US" sz="4000" b="1" dirty="0"/>
+              <a:t>Graph</a:t>
+            </a:r>
+            <a:endParaRPr lang="en-US" sz="2400" b="1" dirty="0"/>
+          </a:p>
+        </p:txBody>
+      </p:sp>
+      <p:sp>
+        <p:nvSpPr>
+          <p:cNvPr id="55" name="TextBox 54"/>
+          <p:cNvSpPr txBox="1"/>
+          <p:nvPr/>
+        </p:nvSpPr>
+        <p:spPr>
+          <a:xfrm>
+            <a:off x="460191" y="2377425"/>
+            <a:ext cx="1038128" cy="461665"/>
+          </a:xfrm>
+          <a:prstGeom prst="rect">
+            <a:avLst/>
+          </a:prstGeom>
+          <a:noFill/>
+        </p:spPr>
+        <p:txBody>
+          <a:bodyPr wrap="square" rtlCol="0">
+            <a:spAutoFit/>
+          </a:bodyPr>
+          <a:lstStyle/>
+          <a:p>
+            <a:r>
+              <a:rPr lang="en-US" sz="2400" dirty="0"/>
+              <a:t>Data</a:t>
+            </a:r>
+            <a:endParaRPr lang="en-US" dirty="0"/>
+          </a:p>
+        </p:txBody>
+      </p:sp>
+      <p:sp>
+        <p:nvSpPr>
+          <p:cNvPr id="56" name="TextBox 55"/>
+          <p:cNvSpPr txBox="1"/>
+          <p:nvPr/>
+        </p:nvSpPr>
+        <p:spPr>
+          <a:xfrm>
+            <a:off x="1145991" y="2377425"/>
+            <a:ext cx="2751648" cy="461665"/>
+          </a:xfrm>
+          <a:prstGeom prst="rect">
+            <a:avLst/>
+          </a:prstGeom>
+          <a:noFill/>
+        </p:spPr>
+        <p:txBody>
+          <a:bodyPr wrap="square" rtlCol="0">
+            <a:spAutoFit/>
+          </a:bodyPr>
+          <a:lstStyle/>
+          <a:p>
+            <a:r>
+              <a:rPr lang="en-US" sz="2400" dirty="0"/>
+              <a:t>Node Pointer</a:t>
+            </a:r>
+          </a:p>
+        </p:txBody>
+      </p:sp>
+      <p:sp>
+        <p:nvSpPr>
+          <p:cNvPr id="57" name="TextBox 56"/>
+          <p:cNvSpPr txBox="1"/>
+          <p:nvPr/>
+        </p:nvSpPr>
+        <p:spPr>
+          <a:xfrm>
+            <a:off x="3407671" y="1920225"/>
+            <a:ext cx="2204581" cy="584775"/>
+          </a:xfrm>
+          <a:prstGeom prst="rect">
+            <a:avLst/>
+          </a:prstGeom>
+          <a:noFill/>
+        </p:spPr>
+        <p:txBody>
+          <a:bodyPr wrap="square" rtlCol="0">
+            <a:spAutoFit/>
+          </a:bodyPr>
+          <a:lstStyle/>
+          <a:p>
+            <a:r>
+              <a:rPr lang="en-US" sz="3200" dirty="0"/>
+              <a:t>Edge List</a:t>
+            </a:r>
+          </a:p>
+        </p:txBody>
+      </p:sp>
+      <p:sp>
+        <p:nvSpPr>
+          <p:cNvPr id="58" name="TextBox 57"/>
+          <p:cNvSpPr txBox="1"/>
+          <p:nvPr/>
+        </p:nvSpPr>
+        <p:spPr>
+          <a:xfrm>
+            <a:off x="3410918" y="2377425"/>
+            <a:ext cx="3510150" cy="461665"/>
+          </a:xfrm>
+          <a:prstGeom prst="rect">
+            <a:avLst/>
+          </a:prstGeom>
+          <a:noFill/>
+        </p:spPr>
+        <p:txBody>
+          <a:bodyPr wrap="square" rtlCol="0">
+            <a:spAutoFit/>
+          </a:bodyPr>
+          <a:lstStyle/>
+          <a:p>
+            <a:r>
+              <a:rPr lang="en-US" sz="2400" dirty="0"/>
+              <a:t>Edge (Node Pointer : Cost)</a:t>
+            </a:r>
+          </a:p>
+        </p:txBody>
+      </p:sp>
+      <p:sp>
+        <p:nvSpPr>
+          <p:cNvPr id="59" name="TextBox 58"/>
+          <p:cNvSpPr txBox="1"/>
+          <p:nvPr/>
+        </p:nvSpPr>
+        <p:spPr>
+          <a:xfrm>
+            <a:off x="3407671" y="1463025"/>
+            <a:ext cx="2566166" cy="707886"/>
+          </a:xfrm>
+          <a:prstGeom prst="rect">
+            <a:avLst/>
+          </a:prstGeom>
+          <a:noFill/>
+        </p:spPr>
+        <p:txBody>
+          <a:bodyPr wrap="square" rtlCol="0">
+            <a:spAutoFit/>
+          </a:bodyPr>
+          <a:lstStyle/>
+          <a:p>
+            <a:r>
+              <a:rPr lang="en-US" sz="4000" b="1" dirty="0"/>
+              <a:t>Node</a:t>
+            </a:r>
+          </a:p>
+        </p:txBody>
+      </p:sp>
+      <p:sp>
+        <p:nvSpPr>
+          <p:cNvPr id="60" name="TextBox 59"/>
+          <p:cNvSpPr txBox="1"/>
+          <p:nvPr/>
+        </p:nvSpPr>
+        <p:spPr>
+          <a:xfrm>
+            <a:off x="458722" y="1922896"/>
+            <a:ext cx="2204581" cy="584775"/>
+          </a:xfrm>
+          <a:prstGeom prst="rect">
+            <a:avLst/>
+          </a:prstGeom>
+          <a:noFill/>
+        </p:spPr>
+        <p:txBody>
+          <a:bodyPr wrap="square" rtlCol="0">
+            <a:spAutoFit/>
+          </a:bodyPr>
+          <a:lstStyle/>
+          <a:p>
+            <a:r>
+              <a:rPr lang="en-US" sz="3200" dirty="0"/>
+              <a:t>Map</a:t>
+            </a:r>
+          </a:p>
+        </p:txBody>
+      </p:sp>
+      <p:sp>
+        <p:nvSpPr>
+          <p:cNvPr id="71" name="TextBox 70"/>
+          <p:cNvSpPr txBox="1"/>
+          <p:nvPr/>
+        </p:nvSpPr>
+        <p:spPr>
+          <a:xfrm>
+            <a:off x="7588174" y="2011665"/>
+            <a:ext cx="1825423" cy="461665"/>
+          </a:xfrm>
+          <a:prstGeom prst="rect">
+            <a:avLst/>
+          </a:prstGeom>
+          <a:noFill/>
+        </p:spPr>
+        <p:txBody>
+          <a:bodyPr wrap="square" rtlCol="0">
+            <a:spAutoFit/>
+          </a:bodyPr>
+          <a:lstStyle/>
+          <a:p>
+            <a:r>
+              <a:rPr lang="en-US" sz="2400" dirty="0"/>
+              <a:t>Node Pointer</a:t>
+            </a:r>
+          </a:p>
+        </p:txBody>
+      </p:sp>
+      <p:sp>
+        <p:nvSpPr>
+          <p:cNvPr id="72" name="TextBox 71"/>
+          <p:cNvSpPr txBox="1"/>
+          <p:nvPr/>
+        </p:nvSpPr>
+        <p:spPr>
+          <a:xfrm>
+            <a:off x="7588174" y="1463025"/>
+            <a:ext cx="2566166" cy="707886"/>
+          </a:xfrm>
+          <a:prstGeom prst="rect">
+            <a:avLst/>
+          </a:prstGeom>
+          <a:noFill/>
+        </p:spPr>
+        <p:txBody>
+          <a:bodyPr wrap="square" rtlCol="0">
+            <a:spAutoFit/>
+          </a:bodyPr>
+          <a:lstStyle/>
+          <a:p>
+            <a:r>
+              <a:rPr lang="en-US" sz="4000" b="1" dirty="0"/>
+              <a:t>Edge</a:t>
+            </a:r>
+          </a:p>
+        </p:txBody>
+      </p:sp>
+      <p:sp>
+        <p:nvSpPr>
+          <p:cNvPr id="73" name="TextBox 72"/>
+          <p:cNvSpPr txBox="1"/>
+          <p:nvPr/>
+        </p:nvSpPr>
+        <p:spPr>
+          <a:xfrm>
+            <a:off x="9413597" y="2011665"/>
+            <a:ext cx="1825423" cy="461665"/>
+          </a:xfrm>
+          <a:prstGeom prst="rect">
+            <a:avLst/>
+          </a:prstGeom>
+          <a:noFill/>
+        </p:spPr>
+        <p:txBody>
+          <a:bodyPr wrap="square" rtlCol="0">
+            <a:spAutoFit/>
+          </a:bodyPr>
+          <a:lstStyle/>
+          <a:p>
+            <a:r>
+              <a:rPr lang="en-US" sz="2400" dirty="0"/>
+              <a:t>Cost</a:t>
+            </a:r>
+          </a:p>
+        </p:txBody>
+      </p:sp>
+      <p:sp>
+        <p:nvSpPr>
+          <p:cNvPr id="74" name="TextBox 73"/>
+          <p:cNvSpPr txBox="1"/>
+          <p:nvPr/>
+        </p:nvSpPr>
+        <p:spPr>
+          <a:xfrm>
+            <a:off x="7585120" y="2285985"/>
+            <a:ext cx="1828475" cy="646331"/>
+          </a:xfrm>
+          <a:prstGeom prst="rect">
+            <a:avLst/>
+          </a:prstGeom>
+          <a:noFill/>
+        </p:spPr>
+        <p:txBody>
+          <a:bodyPr wrap="square" rtlCol="0">
+            <a:spAutoFit/>
+          </a:bodyPr>
+          <a:lstStyle/>
+          <a:p>
+            <a:r>
+              <a:rPr lang="en-US" sz="3600" dirty="0"/>
+              <a:t>(Node*)</a:t>
+            </a:r>
+          </a:p>
+        </p:txBody>
+      </p:sp>
+      <p:sp>
+        <p:nvSpPr>
+          <p:cNvPr id="75" name="TextBox 74"/>
+          <p:cNvSpPr txBox="1"/>
+          <p:nvPr/>
+        </p:nvSpPr>
+        <p:spPr>
+          <a:xfrm>
+            <a:off x="9413596" y="2285985"/>
+            <a:ext cx="1825423" cy="646331"/>
+          </a:xfrm>
+          <a:prstGeom prst="rect">
+            <a:avLst/>
+          </a:prstGeom>
+          <a:noFill/>
+        </p:spPr>
+        <p:txBody>
+          <a:bodyPr wrap="square" rtlCol="0">
+            <a:spAutoFit/>
+          </a:bodyPr>
+          <a:lstStyle/>
+          <a:p>
+            <a:r>
+              <a:rPr lang="en-US" sz="3600" dirty="0"/>
+              <a:t>(Double)</a:t>
             </a:r>
           </a:p>
         </p:txBody>
@@ -4563,7 +5189,7 @@
     </p:spTree>
     <p:extLst>
       <p:ext uri="{BB962C8B-B14F-4D97-AF65-F5344CB8AC3E}">
-        <p14:creationId xmlns:p14="http://schemas.microsoft.com/office/powerpoint/2010/main" val="527956705"/>
+        <p14:creationId xmlns:p14="http://schemas.microsoft.com/office/powerpoint/2010/main" val="901300957"/>
       </p:ext>
     </p:extLst>
   </p:cSld>
@@ -4590,9 +5216,39 @@
           <a:chExt cx="0" cy="0"/>
         </a:xfrm>
       </p:grpSpPr>
-      <p:sp>
-        <p:nvSpPr>
-          <p:cNvPr id="4" name="Title 3"/>
+      <p:pic>
+        <p:nvPicPr>
+          <p:cNvPr id="6" name="Picture 5"/>
+          <p:cNvPicPr>
+            <a:picLocks noChangeAspect="1"/>
+          </p:cNvPicPr>
+          <p:nvPr/>
+        </p:nvPicPr>
+        <p:blipFill>
+          <a:blip r:embed="rId2">
+            <a:extLst>
+              <a:ext uri="{28A0092B-C50C-407E-A947-70E740481C1C}">
+                <a14:useLocalDpi xmlns:a14="http://schemas.microsoft.com/office/drawing/2010/main" val="0"/>
+              </a:ext>
+            </a:extLst>
+          </a:blip>
+          <a:stretch>
+            <a:fillRect/>
+          </a:stretch>
+        </p:blipFill>
+        <p:spPr>
+          <a:xfrm>
+            <a:off x="0" y="0"/>
+            <a:ext cx="6200458" cy="6858000"/>
+          </a:xfrm>
+          <a:prstGeom prst="rect">
+            <a:avLst/>
+          </a:prstGeom>
+        </p:spPr>
+      </p:pic>
+      <p:sp>
+        <p:nvSpPr>
+          <p:cNvPr id="4" name="Title 1"/>
           <p:cNvSpPr>
             <a:spLocks noGrp="1"/>
           </p:cNvSpPr>
@@ -4600,185 +5256,87 @@
             <p:ph type="title"/>
           </p:nvPr>
         </p:nvSpPr>
-        <p:spPr/>
-        <p:txBody>
-          <a:bodyPr/>
-          <a:lstStyle/>
-          <a:p>
-            <a:r>
-              <a:rPr lang="en-US" dirty="0"/>
-              <a:t>Terminology</a:t>
-            </a:r>
-          </a:p>
-        </p:txBody>
-      </p:sp>
-      <p:sp>
-        <p:nvSpPr>
-          <p:cNvPr id="5" name="Content Placeholder 4"/>
-          <p:cNvSpPr>
-            <a:spLocks noGrp="1"/>
-          </p:cNvSpPr>
-          <p:nvPr>
-            <p:ph idx="1"/>
-          </p:nvPr>
-        </p:nvSpPr>
-        <p:spPr/>
-        <p:txBody>
-          <a:bodyPr/>
-          <a:lstStyle/>
-          <a:p>
-            <a:r>
-              <a:rPr lang="en-US" dirty="0"/>
-              <a:t>Some more terminology I’ll be using in the upcoming slides:</a:t>
-            </a:r>
-          </a:p>
-          <a:p>
-            <a:pPr lvl="1"/>
-            <a:r>
-              <a:rPr lang="en-US" sz="3200" dirty="0"/>
-              <a:t>V – number of nodes/vertices</a:t>
-            </a:r>
-          </a:p>
-          <a:p>
-            <a:pPr lvl="1"/>
-            <a:r>
-              <a:rPr lang="en-US" sz="3200" dirty="0"/>
-              <a:t>E – number </a:t>
-            </a:r>
-            <a:r>
-              <a:rPr lang="en-US" sz="3200"/>
-              <a:t>of edges</a:t>
-            </a:r>
-            <a:endParaRPr lang="en-US" sz="3200" dirty="0"/>
+        <p:spPr>
+          <a:xfrm>
+            <a:off x="6200458" y="0"/>
+            <a:ext cx="10515600" cy="1325563"/>
+          </a:xfrm>
+        </p:spPr>
+        <p:txBody>
+          <a:bodyPr>
+            <a:normAutofit/>
+          </a:bodyPr>
+          <a:lstStyle/>
+          <a:p>
+            <a:r>
+              <a:rPr lang="en-US" sz="5400" dirty="0"/>
+              <a:t>Adjacency List Code</a:t>
+            </a:r>
+          </a:p>
+        </p:txBody>
+      </p:sp>
+      <p:sp>
+        <p:nvSpPr>
+          <p:cNvPr id="7" name="TextBox 6"/>
+          <p:cNvSpPr txBox="1"/>
+          <p:nvPr/>
+        </p:nvSpPr>
+        <p:spPr>
+          <a:xfrm>
+            <a:off x="6200459" y="977461"/>
+            <a:ext cx="1852448" cy="461665"/>
+          </a:xfrm>
+          <a:prstGeom prst="rect">
+            <a:avLst/>
+          </a:prstGeom>
+          <a:noFill/>
+        </p:spPr>
+        <p:txBody>
+          <a:bodyPr wrap="square" rtlCol="0">
+            <a:spAutoFit/>
+          </a:bodyPr>
+          <a:lstStyle/>
+          <a:p>
+            <a:r>
+              <a:rPr lang="en-US" sz="2400" dirty="0"/>
+              <a:t>Ideone Link</a:t>
+            </a:r>
+          </a:p>
+        </p:txBody>
+      </p:sp>
+      <p:sp>
+        <p:nvSpPr>
+          <p:cNvPr id="8" name="TextBox 7"/>
+          <p:cNvSpPr txBox="1"/>
+          <p:nvPr/>
+        </p:nvSpPr>
+        <p:spPr>
+          <a:xfrm>
+            <a:off x="8052906" y="977461"/>
+            <a:ext cx="3405351" cy="461665"/>
+          </a:xfrm>
+          <a:prstGeom prst="rect">
+            <a:avLst/>
+          </a:prstGeom>
+          <a:noFill/>
+        </p:spPr>
+        <p:txBody>
+          <a:bodyPr wrap="square" rtlCol="0">
+            <a:spAutoFit/>
+          </a:bodyPr>
+          <a:lstStyle/>
+          <a:p>
+            <a:r>
+              <a:rPr lang="en-US" sz="2400" dirty="0"/>
+              <a:t>GitHub Link</a:t>
+            </a:r>
           </a:p>
         </p:txBody>
       </p:sp>
     </p:spTree>
     <p:extLst>
       <p:ext uri="{BB962C8B-B14F-4D97-AF65-F5344CB8AC3E}">
-        <p14:creationId xmlns:p14="http://schemas.microsoft.com/office/powerpoint/2010/main" val="3776927409"/>
-      </p:ext>
-    </p:extLst>
-  </p:cSld>
-  <p:clrMapOvr>
-    <a:masterClrMapping/>
-  </p:clrMapOvr>
-</p:sld>
-</file>
-
-<file path=ppt/slides/slide9.xml><?xml version="1.0" encoding="utf-8"?>
-<p:sld xmlns:a="http://schemas.openxmlformats.org/drawingml/2006/main" xmlns:r="http://schemas.openxmlformats.org/officeDocument/2006/relationships" xmlns:p="http://schemas.openxmlformats.org/presentationml/2006/main">
-  <p:cSld>
-    <p:spTree>
-      <p:nvGrpSpPr>
-        <p:cNvPr id="1" name=""/>
-        <p:cNvGrpSpPr/>
-        <p:nvPr/>
-      </p:nvGrpSpPr>
-      <p:grpSpPr>
-        <a:xfrm>
-          <a:off x="0" y="0"/>
-          <a:ext cx="0" cy="0"/>
-          <a:chOff x="0" y="0"/>
-          <a:chExt cx="0" cy="0"/>
-        </a:xfrm>
-      </p:grpSpPr>
-      <p:sp>
-        <p:nvSpPr>
-          <p:cNvPr id="2" name="Title 1"/>
-          <p:cNvSpPr>
-            <a:spLocks noGrp="1"/>
-          </p:cNvSpPr>
-          <p:nvPr>
-            <p:ph type="title"/>
-          </p:nvPr>
-        </p:nvSpPr>
-        <p:spPr>
-          <a:xfrm>
-            <a:off x="838200" y="377651"/>
-            <a:ext cx="10515600" cy="1325563"/>
-          </a:xfrm>
-        </p:spPr>
-        <p:txBody>
-          <a:bodyPr/>
-          <a:lstStyle/>
-          <a:p>
-            <a:r>
-              <a:rPr lang="en-US" b="1" dirty="0"/>
-              <a:t>Two Broad Implementation Concepts</a:t>
-            </a:r>
-          </a:p>
-        </p:txBody>
-      </p:sp>
-      <p:sp>
-        <p:nvSpPr>
-          <p:cNvPr id="3" name="Content Placeholder 2"/>
-          <p:cNvSpPr>
-            <a:spLocks noGrp="1"/>
-          </p:cNvSpPr>
-          <p:nvPr>
-            <p:ph idx="1"/>
-          </p:nvPr>
-        </p:nvSpPr>
-        <p:spPr/>
-        <p:txBody>
-          <a:bodyPr>
-            <a:normAutofit/>
-          </a:bodyPr>
-          <a:lstStyle/>
-          <a:p>
-            <a:r>
-              <a:rPr lang="en-US" sz="3600" dirty="0"/>
-              <a:t>Adjacency list</a:t>
-            </a:r>
-          </a:p>
-          <a:p>
-            <a:pPr lvl="1"/>
-            <a:r>
-              <a:rPr lang="en-US" sz="3200" dirty="0"/>
-              <a:t>Good for when:</a:t>
-            </a:r>
-          </a:p>
-          <a:p>
-            <a:pPr lvl="2"/>
-            <a:r>
-              <a:rPr lang="en-US" sz="2800" dirty="0"/>
-              <a:t>Lots of nodes;</a:t>
-            </a:r>
-          </a:p>
-          <a:p>
-            <a:pPr lvl="2"/>
-            <a:r>
-              <a:rPr lang="en-US" sz="2800" dirty="0"/>
-              <a:t>Few edges;</a:t>
-            </a:r>
-          </a:p>
-          <a:p>
-            <a:r>
-              <a:rPr lang="en-US" sz="3600" dirty="0"/>
-              <a:t>Adjacency matrix</a:t>
-            </a:r>
-          </a:p>
-          <a:p>
-            <a:pPr lvl="1"/>
-            <a:r>
-              <a:rPr lang="en-US" sz="3200" dirty="0"/>
-              <a:t>Good for when:</a:t>
-            </a:r>
-          </a:p>
-          <a:p>
-            <a:pPr lvl="2"/>
-            <a:r>
-              <a:rPr lang="en-US" sz="2800" dirty="0"/>
-              <a:t>Edges close or equal to V^2</a:t>
-            </a:r>
-          </a:p>
-        </p:txBody>
-      </p:sp>
-    </p:spTree>
-    <p:extLst>
-      <p:ext uri="{BB962C8B-B14F-4D97-AF65-F5344CB8AC3E}">
-        <p14:creationId xmlns:p14="http://schemas.microsoft.com/office/powerpoint/2010/main" val="1854691132"/>
+        <p14:creationId xmlns:p14="http://schemas.microsoft.com/office/powerpoint/2010/main" val="3005941546"/>
       </p:ext>
     </p:extLst>
   </p:cSld>
@@ -5081,4 +5639,299 @@
     </a:ext>
   </a:extLst>
 </a:theme>
+</file>
+
+<file path=ppt/theme/theme2.xml><?xml version="1.0" encoding="utf-8"?>
+<a:theme xmlns:a="http://schemas.openxmlformats.org/drawingml/2006/main" name="Office Theme">
+  <a:themeElements>
+    <a:clrScheme name="Office">
+      <a:dk1>
+        <a:sysClr val="windowText" lastClr="000000"/>
+      </a:dk1>
+      <a:lt1>
+        <a:sysClr val="window" lastClr="FFFFFF"/>
+      </a:lt1>
+      <a:dk2>
+        <a:srgbClr val="44546A"/>
+      </a:dk2>
+      <a:lt2>
+        <a:srgbClr val="E7E6E6"/>
+      </a:lt2>
+      <a:accent1>
+        <a:srgbClr val="4472C4"/>
+      </a:accent1>
+      <a:accent2>
+        <a:srgbClr val="ED7D31"/>
+      </a:accent2>
+      <a:accent3>
+        <a:srgbClr val="A5A5A5"/>
+      </a:accent3>
+      <a:accent4>
+        <a:srgbClr val="FFC000"/>
+      </a:accent4>
+      <a:accent5>
+        <a:srgbClr val="5B9BD5"/>
+      </a:accent5>
+      <a:accent6>
+        <a:srgbClr val="70AD47"/>
+      </a:accent6>
+      <a:hlink>
+        <a:srgbClr val="0563C1"/>
+      </a:hlink>
+      <a:folHlink>
+        <a:srgbClr val="954F72"/>
+      </a:folHlink>
+    </a:clrScheme>
+    <a:fontScheme name="Office">
+      <a:majorFont>
+        <a:latin typeface="Calibri Light" panose="020F0302020204030204"/>
+        <a:ea typeface=""/>
+        <a:cs typeface=""/>
+        <a:font script="Jpan" typeface="游ゴシック Light"/>
+        <a:font script="Hang" typeface="맑은 고딕"/>
+        <a:font script="Hans" typeface="等线 Light"/>
+        <a:font script="Hant" typeface="新細明體"/>
+        <a:font script="Arab" typeface="Times New Roman"/>
+        <a:font script="Hebr" typeface="Times New Roman"/>
+        <a:font script="Thai" typeface="Angsana New"/>
+        <a:font script="Ethi" typeface="Nyala"/>
+        <a:font script="Beng" typeface="Vrinda"/>
+        <a:font script="Gujr" typeface="Shruti"/>
+        <a:font script="Khmr" typeface="MoolBoran"/>
+        <a:font script="Knda" typeface="Tunga"/>
+        <a:font script="Guru" typeface="Raavi"/>
+        <a:font script="Cans" typeface="Euphemia"/>
+        <a:font script="Cher" typeface="Plantagenet Cherokee"/>
+        <a:font script="Yiii" typeface="Microsoft Yi Baiti"/>
+        <a:font script="Tibt" typeface="Microsoft Himalaya"/>
+        <a:font script="Thaa" typeface="MV Boli"/>
+        <a:font script="Deva" typeface="Mangal"/>
+        <a:font script="Telu" typeface="Gautami"/>
+        <a:font script="Taml" typeface="Latha"/>
+        <a:font script="Syrc" typeface="Estrangelo Edessa"/>
+        <a:font script="Orya" typeface="Kalinga"/>
+        <a:font script="Mlym" typeface="Kartika"/>
+        <a:font script="Laoo" typeface="DokChampa"/>
+        <a:font script="Sinh" typeface="Iskoola Pota"/>
+        <a:font script="Mong" typeface="Mongolian Baiti"/>
+        <a:font script="Viet" typeface="Times New Roman"/>
+        <a:font script="Uigh" typeface="Microsoft Uighur"/>
+        <a:font script="Geor" typeface="Sylfaen"/>
+        <a:font script="Armn" typeface="Arial"/>
+        <a:font script="Bugi" typeface="Leelawadee UI"/>
+        <a:font script="Bopo" typeface="Microsoft JhengHei"/>
+        <a:font script="Java" typeface="Javanese Text"/>
+        <a:font script="Lisu" typeface="Segoe UI"/>
+        <a:font script="Mymr" typeface="Myanmar Text"/>
+        <a:font script="Nkoo" typeface="Ebrima"/>
+        <a:font script="Olck" typeface="Nirmala UI"/>
+        <a:font script="Osma" typeface="Ebrima"/>
+        <a:font script="Phag" typeface="Phagspa"/>
+        <a:font script="Syrn" typeface="Estrangelo Edessa"/>
+        <a:font script="Syrj" typeface="Estrangelo Edessa"/>
+        <a:font script="Syre" typeface="Estrangelo Edessa"/>
+        <a:font script="Sora" typeface="Nirmala UI"/>
+        <a:font script="Tale" typeface="Microsoft Tai Le"/>
+        <a:font script="Talu" typeface="Microsoft New Tai Lue"/>
+        <a:font script="Tfng" typeface="Ebrima"/>
+      </a:majorFont>
+      <a:minorFont>
+        <a:latin typeface="Calibri" panose="020F0502020204030204"/>
+        <a:ea typeface=""/>
+        <a:cs typeface=""/>
+        <a:font script="Jpan" typeface="游ゴシック"/>
+        <a:font script="Hang" typeface="맑은 고딕"/>
+        <a:font script="Hans" typeface="等线"/>
+        <a:font script="Hant" typeface="新細明體"/>
+        <a:font script="Arab" typeface="Arial"/>
+        <a:font script="Hebr" typeface="Arial"/>
+        <a:font script="Thai" typeface="Cordia New"/>
+        <a:font script="Ethi" typeface="Nyala"/>
+        <a:font script="Beng" typeface="Vrinda"/>
+        <a:font script="Gujr" typeface="Shruti"/>
+        <a:font script="Khmr" typeface="DaunPenh"/>
+        <a:font script="Knda" typeface="Tunga"/>
+        <a:font script="Guru" typeface="Raavi"/>
+        <a:font script="Cans" typeface="Euphemia"/>
+        <a:font script="Cher" typeface="Plantagenet Cherokee"/>
+        <a:font script="Yiii" typeface="Microsoft Yi Baiti"/>
+        <a:font script="Tibt" typeface="Microsoft Himalaya"/>
+        <a:font script="Thaa" typeface="MV Boli"/>
+        <a:font script="Deva" typeface="Mangal"/>
+        <a:font script="Telu" typeface="Gautami"/>
+        <a:font script="Taml" typeface="Latha"/>
+        <a:font script="Syrc" typeface="Estrangelo Edessa"/>
+        <a:font script="Orya" typeface="Kalinga"/>
+        <a:font script="Mlym" typeface="Kartika"/>
+        <a:font script="Laoo" typeface="DokChampa"/>
+        <a:font script="Sinh" typeface="Iskoola Pota"/>
+        <a:font script="Mong" typeface="Mongolian Baiti"/>
+        <a:font script="Viet" typeface="Arial"/>
+        <a:font script="Uigh" typeface="Microsoft Uighur"/>
+        <a:font script="Geor" typeface="Sylfaen"/>
+        <a:font script="Armn" typeface="Arial"/>
+        <a:font script="Bugi" typeface="Leelawadee UI"/>
+        <a:font script="Bopo" typeface="Microsoft JhengHei"/>
+        <a:font script="Java" typeface="Javanese Text"/>
+        <a:font script="Lisu" typeface="Segoe UI"/>
+        <a:font script="Mymr" typeface="Myanmar Text"/>
+        <a:font script="Nkoo" typeface="Ebrima"/>
+        <a:font script="Olck" typeface="Nirmala UI"/>
+        <a:font script="Osma" typeface="Ebrima"/>
+        <a:font script="Phag" typeface="Phagspa"/>
+        <a:font script="Syrn" typeface="Estrangelo Edessa"/>
+        <a:font script="Syrj" typeface="Estrangelo Edessa"/>
+        <a:font script="Syre" typeface="Estrangelo Edessa"/>
+        <a:font script="Sora" typeface="Nirmala UI"/>
+        <a:font script="Tale" typeface="Microsoft Tai Le"/>
+        <a:font script="Talu" typeface="Microsoft New Tai Lue"/>
+        <a:font script="Tfng" typeface="Ebrima"/>
+      </a:minorFont>
+    </a:fontScheme>
+    <a:fmtScheme name="Office">
+      <a:fillStyleLst>
+        <a:solidFill>
+          <a:schemeClr val="phClr"/>
+        </a:solidFill>
+        <a:gradFill rotWithShape="1">
+          <a:gsLst>
+            <a:gs pos="0">
+              <a:schemeClr val="phClr">
+                <a:lumMod val="110000"/>
+                <a:satMod val="105000"/>
+                <a:tint val="67000"/>
+              </a:schemeClr>
+            </a:gs>
+            <a:gs pos="50000">
+              <a:schemeClr val="phClr">
+                <a:lumMod val="105000"/>
+                <a:satMod val="103000"/>
+                <a:tint val="73000"/>
+              </a:schemeClr>
+            </a:gs>
+            <a:gs pos="100000">
+              <a:schemeClr val="phClr">
+                <a:lumMod val="105000"/>
+                <a:satMod val="109000"/>
+                <a:tint val="81000"/>
+              </a:schemeClr>
+            </a:gs>
+          </a:gsLst>
+          <a:lin ang="5400000" scaled="0"/>
+        </a:gradFill>
+        <a:gradFill rotWithShape="1">
+          <a:gsLst>
+            <a:gs pos="0">
+              <a:schemeClr val="phClr">
+                <a:satMod val="103000"/>
+                <a:lumMod val="102000"/>
+                <a:tint val="94000"/>
+              </a:schemeClr>
+            </a:gs>
+            <a:gs pos="50000">
+              <a:schemeClr val="phClr">
+                <a:satMod val="110000"/>
+                <a:lumMod val="100000"/>
+                <a:shade val="100000"/>
+              </a:schemeClr>
+            </a:gs>
+            <a:gs pos="100000">
+              <a:schemeClr val="phClr">
+                <a:lumMod val="99000"/>
+                <a:satMod val="120000"/>
+                <a:shade val="78000"/>
+              </a:schemeClr>
+            </a:gs>
+          </a:gsLst>
+          <a:lin ang="5400000" scaled="0"/>
+        </a:gradFill>
+      </a:fillStyleLst>
+      <a:lnStyleLst>
+        <a:ln w="6350" cap="flat" cmpd="sng" algn="ctr">
+          <a:solidFill>
+            <a:schemeClr val="phClr"/>
+          </a:solidFill>
+          <a:prstDash val="solid"/>
+          <a:miter lim="800000"/>
+        </a:ln>
+        <a:ln w="12700" cap="flat" cmpd="sng" algn="ctr">
+          <a:solidFill>
+            <a:schemeClr val="phClr"/>
+          </a:solidFill>
+          <a:prstDash val="solid"/>
+          <a:miter lim="800000"/>
+        </a:ln>
+        <a:ln w="19050" cap="flat" cmpd="sng" algn="ctr">
+          <a:solidFill>
+            <a:schemeClr val="phClr"/>
+          </a:solidFill>
+          <a:prstDash val="solid"/>
+          <a:miter lim="800000"/>
+        </a:ln>
+      </a:lnStyleLst>
+      <a:effectStyleLst>
+        <a:effectStyle>
+          <a:effectLst/>
+        </a:effectStyle>
+        <a:effectStyle>
+          <a:effectLst/>
+        </a:effectStyle>
+        <a:effectStyle>
+          <a:effectLst>
+            <a:outerShdw blurRad="57150" dist="19050" dir="5400000" algn="ctr" rotWithShape="0">
+              <a:srgbClr val="000000">
+                <a:alpha val="63000"/>
+              </a:srgbClr>
+            </a:outerShdw>
+          </a:effectLst>
+        </a:effectStyle>
+      </a:effectStyleLst>
+      <a:bgFillStyleLst>
+        <a:solidFill>
+          <a:schemeClr val="phClr"/>
+        </a:solidFill>
+        <a:solidFill>
+          <a:schemeClr val="phClr">
+            <a:tint val="95000"/>
+            <a:satMod val="170000"/>
+          </a:schemeClr>
+        </a:solidFill>
+        <a:gradFill rotWithShape="1">
+          <a:gsLst>
+            <a:gs pos="0">
+              <a:schemeClr val="phClr">
+                <a:tint val="93000"/>
+                <a:satMod val="150000"/>
+                <a:shade val="98000"/>
+                <a:lumMod val="102000"/>
+              </a:schemeClr>
+            </a:gs>
+            <a:gs pos="50000">
+              <a:schemeClr val="phClr">
+                <a:tint val="98000"/>
+                <a:satMod val="130000"/>
+                <a:shade val="90000"/>
+                <a:lumMod val="103000"/>
+              </a:schemeClr>
+            </a:gs>
+            <a:gs pos="100000">
+              <a:schemeClr val="phClr">
+                <a:shade val="63000"/>
+                <a:satMod val="120000"/>
+              </a:schemeClr>
+            </a:gs>
+          </a:gsLst>
+          <a:lin ang="5400000" scaled="0"/>
+        </a:gradFill>
+      </a:bgFillStyleLst>
+    </a:fmtScheme>
+  </a:themeElements>
+  <a:objectDefaults/>
+  <a:extraClrSchemeLst/>
+  <a:extLst>
+    <a:ext uri="{05A4C25C-085E-4340-85A3-A5531E510DB2}">
+      <thm15:themeFamily xmlns:thm15="http://schemas.microsoft.com/office/thememl/2012/main" name="Office Theme" id="{62F939B6-93AF-4DB8-9C6B-D6C7DFDC589F}" vid="{4A3C46E8-61CC-4603-A589-7422A47A8E4A}"/>
+    </a:ext>
+  </a:extLst>
+</a:theme>
 </file>